--- a/assets/Presentation1.pptx
+++ b/assets/Presentation1.pptx
@@ -7,6 +7,11 @@
   <p:sldIdLst>
     <p:sldId id="256" r:id="rId2"/>
     <p:sldId id="257" r:id="rId3"/>
+    <p:sldId id="258" r:id="rId4"/>
+    <p:sldId id="259" r:id="rId5"/>
+    <p:sldId id="262" r:id="rId6"/>
+    <p:sldId id="260" r:id="rId7"/>
+    <p:sldId id="261" r:id="rId8"/>
   </p:sldIdLst>
   <p:sldSz cx="12192000" cy="6858000"/>
   <p:notesSz cx="6858000" cy="9144000"/>
@@ -105,7 +110,2438 @@
       </a:defRPr>
     </a:lvl9pPr>
   </p:defaultTextStyle>
+  <p:extLst>
+    <p:ext uri="{EFAFB233-063F-42B5-8137-9DF3F51BA10A}">
+      <p15:sldGuideLst xmlns:p15="http://schemas.microsoft.com/office/powerpoint/2012/main"/>
+    </p:ext>
+  </p:extLst>
 </p:presentation>
+</file>
+
+<file path=ppt/diagrams/colors1.xml><?xml version="1.0" encoding="utf-8"?>
+<dgm:colorsDef xmlns:dgm="http://schemas.openxmlformats.org/drawingml/2006/diagram" xmlns:a="http://schemas.openxmlformats.org/drawingml/2006/main" uniqueId="urn:microsoft.com/office/officeart/2005/8/colors/colorful5">
+  <dgm:title val=""/>
+  <dgm:desc val=""/>
+  <dgm:catLst>
+    <dgm:cat type="colorful" pri="10500"/>
+  </dgm:catLst>
+  <dgm:styleLbl name="node0">
+    <dgm:fillClrLst meth="repeat">
+      <a:schemeClr val="accent4"/>
+    </dgm:fillClrLst>
+    <dgm:linClrLst meth="repeat">
+      <a:schemeClr val="lt1"/>
+    </dgm:linClrLst>
+    <dgm:effectClrLst/>
+    <dgm:txLinClrLst/>
+    <dgm:txFillClrLst/>
+    <dgm:txEffectClrLst/>
+  </dgm:styleLbl>
+  <dgm:styleLbl name="node1">
+    <dgm:fillClrLst>
+      <a:schemeClr val="accent5"/>
+      <a:schemeClr val="accent6"/>
+    </dgm:fillClrLst>
+    <dgm:linClrLst meth="repeat">
+      <a:schemeClr val="lt1"/>
+    </dgm:linClrLst>
+    <dgm:effectClrLst/>
+    <dgm:txLinClrLst/>
+    <dgm:txFillClrLst/>
+    <dgm:txEffectClrLst/>
+  </dgm:styleLbl>
+  <dgm:styleLbl name="alignNode1">
+    <dgm:fillClrLst>
+      <a:schemeClr val="accent5"/>
+      <a:schemeClr val="accent6"/>
+    </dgm:fillClrLst>
+    <dgm:linClrLst>
+      <a:schemeClr val="accent5"/>
+      <a:schemeClr val="accent6"/>
+    </dgm:linClrLst>
+    <dgm:effectClrLst/>
+    <dgm:txLinClrLst/>
+    <dgm:txFillClrLst/>
+    <dgm:txEffectClrLst/>
+  </dgm:styleLbl>
+  <dgm:styleLbl name="lnNode1">
+    <dgm:fillClrLst>
+      <a:schemeClr val="accent5"/>
+      <a:schemeClr val="accent6"/>
+    </dgm:fillClrLst>
+    <dgm:linClrLst meth="repeat">
+      <a:schemeClr val="lt1"/>
+    </dgm:linClrLst>
+    <dgm:effectClrLst/>
+    <dgm:txLinClrLst/>
+    <dgm:txFillClrLst/>
+    <dgm:txEffectClrLst/>
+  </dgm:styleLbl>
+  <dgm:styleLbl name="vennNode1">
+    <dgm:fillClrLst>
+      <a:schemeClr val="accent5">
+        <a:alpha val="50000"/>
+      </a:schemeClr>
+      <a:schemeClr val="accent6">
+        <a:alpha val="50000"/>
+      </a:schemeClr>
+    </dgm:fillClrLst>
+    <dgm:linClrLst meth="repeat">
+      <a:schemeClr val="lt1"/>
+    </dgm:linClrLst>
+    <dgm:effectClrLst/>
+    <dgm:txLinClrLst/>
+    <dgm:txFillClrLst/>
+    <dgm:txEffectClrLst/>
+  </dgm:styleLbl>
+  <dgm:styleLbl name="node2">
+    <dgm:fillClrLst>
+      <a:schemeClr val="accent6"/>
+    </dgm:fillClrLst>
+    <dgm:linClrLst meth="repeat">
+      <a:schemeClr val="lt1"/>
+    </dgm:linClrLst>
+    <dgm:effectClrLst/>
+    <dgm:txLinClrLst/>
+    <dgm:txFillClrLst/>
+    <dgm:txEffectClrLst/>
+  </dgm:styleLbl>
+  <dgm:styleLbl name="node3">
+    <dgm:fillClrLst>
+      <a:schemeClr val="accent1"/>
+    </dgm:fillClrLst>
+    <dgm:linClrLst meth="repeat">
+      <a:schemeClr val="lt1"/>
+    </dgm:linClrLst>
+    <dgm:effectClrLst/>
+    <dgm:txLinClrLst/>
+    <dgm:txFillClrLst/>
+    <dgm:txEffectClrLst/>
+  </dgm:styleLbl>
+  <dgm:styleLbl name="node4">
+    <dgm:fillClrLst>
+      <a:schemeClr val="accent2"/>
+    </dgm:fillClrLst>
+    <dgm:linClrLst meth="repeat">
+      <a:schemeClr val="lt1"/>
+    </dgm:linClrLst>
+    <dgm:effectClrLst/>
+    <dgm:txLinClrLst/>
+    <dgm:txFillClrLst/>
+    <dgm:txEffectClrLst/>
+  </dgm:styleLbl>
+  <dgm:styleLbl name="fgImgPlace1">
+    <dgm:fillClrLst>
+      <a:schemeClr val="accent5">
+        <a:tint val="50000"/>
+      </a:schemeClr>
+      <a:schemeClr val="accent6">
+        <a:tint val="50000"/>
+      </a:schemeClr>
+    </dgm:fillClrLst>
+    <dgm:linClrLst meth="repeat">
+      <a:schemeClr val="lt1"/>
+    </dgm:linClrLst>
+    <dgm:effectClrLst/>
+    <dgm:txLinClrLst/>
+    <dgm:txFillClrLst meth="repeat">
+      <a:schemeClr val="lt1"/>
+    </dgm:txFillClrLst>
+    <dgm:txEffectClrLst/>
+  </dgm:styleLbl>
+  <dgm:styleLbl name="alignImgPlace1">
+    <dgm:fillClrLst>
+      <a:schemeClr val="accent5">
+        <a:tint val="50000"/>
+      </a:schemeClr>
+      <a:schemeClr val="accent6">
+        <a:tint val="20000"/>
+      </a:schemeClr>
+    </dgm:fillClrLst>
+    <dgm:linClrLst meth="repeat">
+      <a:schemeClr val="lt1"/>
+    </dgm:linClrLst>
+    <dgm:effectClrLst/>
+    <dgm:txLinClrLst/>
+    <dgm:txFillClrLst meth="repeat">
+      <a:schemeClr val="lt1"/>
+    </dgm:txFillClrLst>
+    <dgm:txEffectClrLst/>
+  </dgm:styleLbl>
+  <dgm:styleLbl name="bgImgPlace1">
+    <dgm:fillClrLst>
+      <a:schemeClr val="accent5">
+        <a:tint val="50000"/>
+      </a:schemeClr>
+      <a:schemeClr val="accent6">
+        <a:tint val="20000"/>
+      </a:schemeClr>
+    </dgm:fillClrLst>
+    <dgm:linClrLst meth="repeat">
+      <a:schemeClr val="lt1"/>
+    </dgm:linClrLst>
+    <dgm:effectClrLst/>
+    <dgm:txLinClrLst/>
+    <dgm:txFillClrLst meth="repeat">
+      <a:schemeClr val="lt1"/>
+    </dgm:txFillClrLst>
+    <dgm:txEffectClrLst/>
+  </dgm:styleLbl>
+  <dgm:styleLbl name="sibTrans2D1">
+    <dgm:fillClrLst>
+      <a:schemeClr val="accent5"/>
+      <a:schemeClr val="accent6"/>
+    </dgm:fillClrLst>
+    <dgm:linClrLst meth="repeat">
+      <a:schemeClr val="lt1"/>
+    </dgm:linClrLst>
+    <dgm:effectClrLst/>
+    <dgm:txLinClrLst/>
+    <dgm:txFillClrLst/>
+    <dgm:txEffectClrLst/>
+  </dgm:styleLbl>
+  <dgm:styleLbl name="fgSibTrans2D1">
+    <dgm:fillClrLst>
+      <a:schemeClr val="accent5"/>
+      <a:schemeClr val="accent6"/>
+    </dgm:fillClrLst>
+    <dgm:linClrLst meth="repeat">
+      <a:schemeClr val="lt1"/>
+    </dgm:linClrLst>
+    <dgm:effectClrLst/>
+    <dgm:txLinClrLst/>
+    <dgm:txFillClrLst meth="repeat">
+      <a:schemeClr val="lt1"/>
+    </dgm:txFillClrLst>
+    <dgm:txEffectClrLst/>
+  </dgm:styleLbl>
+  <dgm:styleLbl name="bgSibTrans2D1">
+    <dgm:fillClrLst>
+      <a:schemeClr val="accent5"/>
+      <a:schemeClr val="accent6"/>
+    </dgm:fillClrLst>
+    <dgm:linClrLst meth="repeat">
+      <a:schemeClr val="lt1"/>
+    </dgm:linClrLst>
+    <dgm:effectClrLst/>
+    <dgm:txLinClrLst/>
+    <dgm:txFillClrLst meth="repeat">
+      <a:schemeClr val="lt1"/>
+    </dgm:txFillClrLst>
+    <dgm:txEffectClrLst/>
+  </dgm:styleLbl>
+  <dgm:styleLbl name="sibTrans1D1">
+    <dgm:fillClrLst/>
+    <dgm:linClrLst>
+      <a:schemeClr val="accent5"/>
+      <a:schemeClr val="accent6"/>
+    </dgm:linClrLst>
+    <dgm:effectClrLst/>
+    <dgm:txLinClrLst/>
+    <dgm:txFillClrLst meth="repeat">
+      <a:schemeClr val="tx1"/>
+    </dgm:txFillClrLst>
+    <dgm:txEffectClrLst/>
+  </dgm:styleLbl>
+  <dgm:styleLbl name="callout">
+    <dgm:fillClrLst meth="repeat">
+      <a:schemeClr val="accent5"/>
+    </dgm:fillClrLst>
+    <dgm:linClrLst meth="repeat">
+      <a:schemeClr val="accent5">
+        <a:tint val="50000"/>
+      </a:schemeClr>
+    </dgm:linClrLst>
+    <dgm:effectClrLst/>
+    <dgm:txLinClrLst/>
+    <dgm:txFillClrLst meth="repeat">
+      <a:schemeClr val="tx1"/>
+    </dgm:txFillClrLst>
+    <dgm:txEffectClrLst/>
+  </dgm:styleLbl>
+  <dgm:styleLbl name="asst0">
+    <dgm:fillClrLst meth="repeat">
+      <a:schemeClr val="accent5"/>
+    </dgm:fillClrLst>
+    <dgm:linClrLst meth="repeat">
+      <a:schemeClr val="lt1">
+        <a:shade val="80000"/>
+      </a:schemeClr>
+    </dgm:linClrLst>
+    <dgm:effectClrLst/>
+    <dgm:txLinClrLst/>
+    <dgm:txFillClrLst/>
+    <dgm:txEffectClrLst/>
+  </dgm:styleLbl>
+  <dgm:styleLbl name="asst1">
+    <dgm:fillClrLst meth="repeat">
+      <a:schemeClr val="accent6"/>
+    </dgm:fillClrLst>
+    <dgm:linClrLst meth="repeat">
+      <a:schemeClr val="lt1">
+        <a:shade val="80000"/>
+      </a:schemeClr>
+    </dgm:linClrLst>
+    <dgm:effectClrLst/>
+    <dgm:txLinClrLst/>
+    <dgm:txFillClrLst/>
+    <dgm:txEffectClrLst/>
+  </dgm:styleLbl>
+  <dgm:styleLbl name="asst2">
+    <dgm:fillClrLst>
+      <a:schemeClr val="accent1"/>
+    </dgm:fillClrLst>
+    <dgm:linClrLst meth="repeat">
+      <a:schemeClr val="lt1"/>
+    </dgm:linClrLst>
+    <dgm:effectClrLst/>
+    <dgm:txLinClrLst/>
+    <dgm:txFillClrLst/>
+    <dgm:txEffectClrLst/>
+  </dgm:styleLbl>
+  <dgm:styleLbl name="asst3">
+    <dgm:fillClrLst>
+      <a:schemeClr val="accent2"/>
+    </dgm:fillClrLst>
+    <dgm:linClrLst meth="repeat">
+      <a:schemeClr val="lt1"/>
+    </dgm:linClrLst>
+    <dgm:effectClrLst/>
+    <dgm:txLinClrLst/>
+    <dgm:txFillClrLst/>
+    <dgm:txEffectClrLst/>
+  </dgm:styleLbl>
+  <dgm:styleLbl name="asst4">
+    <dgm:fillClrLst>
+      <a:schemeClr val="accent3"/>
+    </dgm:fillClrLst>
+    <dgm:linClrLst meth="repeat">
+      <a:schemeClr val="lt1"/>
+    </dgm:linClrLst>
+    <dgm:effectClrLst/>
+    <dgm:txLinClrLst/>
+    <dgm:txFillClrLst/>
+    <dgm:txEffectClrLst/>
+  </dgm:styleLbl>
+  <dgm:styleLbl name="parChTrans2D1">
+    <dgm:fillClrLst meth="repeat">
+      <a:schemeClr val="accent5"/>
+    </dgm:fillClrLst>
+    <dgm:linClrLst meth="repeat">
+      <a:schemeClr val="lt1"/>
+    </dgm:linClrLst>
+    <dgm:effectClrLst/>
+    <dgm:txLinClrLst/>
+    <dgm:txFillClrLst meth="repeat">
+      <a:schemeClr val="lt1"/>
+    </dgm:txFillClrLst>
+    <dgm:txEffectClrLst/>
+  </dgm:styleLbl>
+  <dgm:styleLbl name="parChTrans2D2">
+    <dgm:fillClrLst meth="repeat">
+      <a:schemeClr val="accent6"/>
+    </dgm:fillClrLst>
+    <dgm:linClrLst meth="repeat">
+      <a:schemeClr val="lt1"/>
+    </dgm:linClrLst>
+    <dgm:effectClrLst/>
+    <dgm:txLinClrLst/>
+    <dgm:txFillClrLst/>
+    <dgm:txEffectClrLst/>
+  </dgm:styleLbl>
+  <dgm:styleLbl name="parChTrans2D3">
+    <dgm:fillClrLst meth="repeat">
+      <a:schemeClr val="accent6"/>
+    </dgm:fillClrLst>
+    <dgm:linClrLst meth="repeat">
+      <a:schemeClr val="lt1"/>
+    </dgm:linClrLst>
+    <dgm:effectClrLst/>
+    <dgm:txLinClrLst/>
+    <dgm:txFillClrLst/>
+    <dgm:txEffectClrLst/>
+  </dgm:styleLbl>
+  <dgm:styleLbl name="parChTrans2D4">
+    <dgm:fillClrLst meth="repeat">
+      <a:schemeClr val="accent1"/>
+    </dgm:fillClrLst>
+    <dgm:linClrLst meth="repeat">
+      <a:schemeClr val="lt1"/>
+    </dgm:linClrLst>
+    <dgm:effectClrLst/>
+    <dgm:txLinClrLst/>
+    <dgm:txFillClrLst meth="repeat">
+      <a:schemeClr val="lt1"/>
+    </dgm:txFillClrLst>
+    <dgm:txEffectClrLst/>
+  </dgm:styleLbl>
+  <dgm:styleLbl name="parChTrans1D1">
+    <dgm:fillClrLst meth="repeat">
+      <a:schemeClr val="accent5"/>
+    </dgm:fillClrLst>
+    <dgm:linClrLst meth="repeat">
+      <a:schemeClr val="accent5"/>
+    </dgm:linClrLst>
+    <dgm:effectClrLst/>
+    <dgm:txLinClrLst/>
+    <dgm:txFillClrLst meth="repeat">
+      <a:schemeClr val="tx1"/>
+    </dgm:txFillClrLst>
+    <dgm:txEffectClrLst/>
+  </dgm:styleLbl>
+  <dgm:styleLbl name="parChTrans1D2">
+    <dgm:fillClrLst meth="repeat">
+      <a:schemeClr val="accent6">
+        <a:tint val="90000"/>
+      </a:schemeClr>
+    </dgm:fillClrLst>
+    <dgm:linClrLst meth="repeat">
+      <a:schemeClr val="accent6"/>
+    </dgm:linClrLst>
+    <dgm:effectClrLst/>
+    <dgm:txLinClrLst/>
+    <dgm:txFillClrLst meth="repeat">
+      <a:schemeClr val="tx1"/>
+    </dgm:txFillClrLst>
+    <dgm:txEffectClrLst/>
+  </dgm:styleLbl>
+  <dgm:styleLbl name="parChTrans1D3">
+    <dgm:fillClrLst meth="repeat">
+      <a:schemeClr val="accent6">
+        <a:tint val="70000"/>
+      </a:schemeClr>
+    </dgm:fillClrLst>
+    <dgm:linClrLst meth="repeat">
+      <a:schemeClr val="accent1"/>
+    </dgm:linClrLst>
+    <dgm:effectClrLst/>
+    <dgm:txLinClrLst/>
+    <dgm:txFillClrLst meth="repeat">
+      <a:schemeClr val="tx1"/>
+    </dgm:txFillClrLst>
+    <dgm:txEffectClrLst/>
+  </dgm:styleLbl>
+  <dgm:styleLbl name="parChTrans1D4">
+    <dgm:fillClrLst meth="repeat">
+      <a:schemeClr val="accent6">
+        <a:tint val="50000"/>
+      </a:schemeClr>
+    </dgm:fillClrLst>
+    <dgm:linClrLst meth="repeat">
+      <a:schemeClr val="accent2"/>
+    </dgm:linClrLst>
+    <dgm:effectClrLst/>
+    <dgm:txLinClrLst/>
+    <dgm:txFillClrLst meth="repeat">
+      <a:schemeClr val="tx1"/>
+    </dgm:txFillClrLst>
+    <dgm:txEffectClrLst/>
+  </dgm:styleLbl>
+  <dgm:styleLbl name="fgAcc1">
+    <dgm:fillClrLst meth="repeat">
+      <a:schemeClr val="lt1">
+        <a:alpha val="90000"/>
+      </a:schemeClr>
+    </dgm:fillClrLst>
+    <dgm:linClrLst>
+      <a:schemeClr val="accent5"/>
+      <a:schemeClr val="accent6"/>
+    </dgm:linClrLst>
+    <dgm:effectClrLst/>
+    <dgm:txLinClrLst/>
+    <dgm:txFillClrLst meth="repeat">
+      <a:schemeClr val="dk1"/>
+    </dgm:txFillClrLst>
+    <dgm:txEffectClrLst/>
+  </dgm:styleLbl>
+  <dgm:styleLbl name="conFgAcc1">
+    <dgm:fillClrLst meth="repeat">
+      <a:schemeClr val="lt1">
+        <a:alpha val="90000"/>
+      </a:schemeClr>
+    </dgm:fillClrLst>
+    <dgm:linClrLst>
+      <a:schemeClr val="accent5"/>
+      <a:schemeClr val="accent6"/>
+    </dgm:linClrLst>
+    <dgm:effectClrLst/>
+    <dgm:txLinClrLst/>
+    <dgm:txFillClrLst meth="repeat">
+      <a:schemeClr val="dk1"/>
+    </dgm:txFillClrLst>
+    <dgm:txEffectClrLst/>
+  </dgm:styleLbl>
+  <dgm:styleLbl name="alignAcc1">
+    <dgm:fillClrLst meth="repeat">
+      <a:schemeClr val="lt1">
+        <a:alpha val="90000"/>
+      </a:schemeClr>
+    </dgm:fillClrLst>
+    <dgm:linClrLst>
+      <a:schemeClr val="accent5"/>
+      <a:schemeClr val="accent6"/>
+    </dgm:linClrLst>
+    <dgm:effectClrLst/>
+    <dgm:txLinClrLst/>
+    <dgm:txFillClrLst meth="repeat">
+      <a:schemeClr val="dk1"/>
+    </dgm:txFillClrLst>
+    <dgm:txEffectClrLst/>
+  </dgm:styleLbl>
+  <dgm:styleLbl name="trAlignAcc1">
+    <dgm:fillClrLst meth="repeat">
+      <a:schemeClr val="lt1">
+        <a:alpha val="40000"/>
+      </a:schemeClr>
+    </dgm:fillClrLst>
+    <dgm:linClrLst meth="repeat">
+      <a:schemeClr val="accent5"/>
+    </dgm:linClrLst>
+    <dgm:effectClrLst/>
+    <dgm:txLinClrLst/>
+    <dgm:txFillClrLst meth="repeat">
+      <a:schemeClr val="dk1"/>
+    </dgm:txFillClrLst>
+    <dgm:txEffectClrLst/>
+  </dgm:styleLbl>
+  <dgm:styleLbl name="bgAcc1">
+    <dgm:fillClrLst meth="repeat">
+      <a:schemeClr val="lt1">
+        <a:alpha val="90000"/>
+      </a:schemeClr>
+    </dgm:fillClrLst>
+    <dgm:linClrLst>
+      <a:schemeClr val="accent5"/>
+      <a:schemeClr val="accent6"/>
+    </dgm:linClrLst>
+    <dgm:effectClrLst/>
+    <dgm:txLinClrLst/>
+    <dgm:txFillClrLst meth="repeat">
+      <a:schemeClr val="dk1"/>
+    </dgm:txFillClrLst>
+    <dgm:txEffectClrLst/>
+  </dgm:styleLbl>
+  <dgm:styleLbl name="solidFgAcc1">
+    <dgm:fillClrLst meth="repeat">
+      <a:schemeClr val="lt1"/>
+    </dgm:fillClrLst>
+    <dgm:linClrLst>
+      <a:schemeClr val="accent5"/>
+      <a:schemeClr val="accent6"/>
+    </dgm:linClrLst>
+    <dgm:effectClrLst/>
+    <dgm:txLinClrLst/>
+    <dgm:txFillClrLst meth="repeat">
+      <a:schemeClr val="dk1"/>
+    </dgm:txFillClrLst>
+    <dgm:txEffectClrLst/>
+  </dgm:styleLbl>
+  <dgm:styleLbl name="solidAlignAcc1">
+    <dgm:fillClrLst meth="repeat">
+      <a:schemeClr val="lt1"/>
+    </dgm:fillClrLst>
+    <dgm:linClrLst>
+      <a:schemeClr val="accent5"/>
+      <a:schemeClr val="accent6"/>
+    </dgm:linClrLst>
+    <dgm:effectClrLst/>
+    <dgm:txLinClrLst/>
+    <dgm:txFillClrLst meth="repeat">
+      <a:schemeClr val="dk1"/>
+    </dgm:txFillClrLst>
+    <dgm:txEffectClrLst/>
+  </dgm:styleLbl>
+  <dgm:styleLbl name="solidBgAcc1">
+    <dgm:fillClrLst meth="repeat">
+      <a:schemeClr val="lt1"/>
+    </dgm:fillClrLst>
+    <dgm:linClrLst>
+      <a:schemeClr val="accent5"/>
+      <a:schemeClr val="accent6"/>
+    </dgm:linClrLst>
+    <dgm:effectClrLst/>
+    <dgm:txLinClrLst/>
+    <dgm:txFillClrLst meth="repeat">
+      <a:schemeClr val="dk1"/>
+    </dgm:txFillClrLst>
+    <dgm:txEffectClrLst/>
+  </dgm:styleLbl>
+  <dgm:styleLbl name="fgAccFollowNode1">
+    <dgm:fillClrLst>
+      <a:schemeClr val="accent5">
+        <a:tint val="40000"/>
+        <a:alpha val="90000"/>
+      </a:schemeClr>
+      <a:schemeClr val="accent6">
+        <a:tint val="40000"/>
+        <a:alpha val="90000"/>
+      </a:schemeClr>
+    </dgm:fillClrLst>
+    <dgm:linClrLst>
+      <a:schemeClr val="accent5">
+        <a:tint val="40000"/>
+        <a:alpha val="90000"/>
+      </a:schemeClr>
+      <a:schemeClr val="accent5">
+        <a:tint val="40000"/>
+        <a:alpha val="90000"/>
+      </a:schemeClr>
+    </dgm:linClrLst>
+    <dgm:effectClrLst/>
+    <dgm:txLinClrLst/>
+    <dgm:txFillClrLst meth="repeat">
+      <a:schemeClr val="dk1"/>
+    </dgm:txFillClrLst>
+    <dgm:txEffectClrLst/>
+  </dgm:styleLbl>
+  <dgm:styleLbl name="alignAccFollowNode1">
+    <dgm:fillClrLst>
+      <a:schemeClr val="accent5">
+        <a:tint val="40000"/>
+        <a:alpha val="90000"/>
+      </a:schemeClr>
+      <a:schemeClr val="accent6">
+        <a:tint val="40000"/>
+        <a:alpha val="90000"/>
+      </a:schemeClr>
+    </dgm:fillClrLst>
+    <dgm:linClrLst>
+      <a:schemeClr val="accent5">
+        <a:tint val="40000"/>
+        <a:alpha val="90000"/>
+      </a:schemeClr>
+      <a:schemeClr val="accent6">
+        <a:tint val="40000"/>
+        <a:alpha val="90000"/>
+      </a:schemeClr>
+    </dgm:linClrLst>
+    <dgm:effectClrLst/>
+    <dgm:txLinClrLst/>
+    <dgm:txFillClrLst meth="repeat">
+      <a:schemeClr val="dk1"/>
+    </dgm:txFillClrLst>
+    <dgm:txEffectClrLst/>
+  </dgm:styleLbl>
+  <dgm:styleLbl name="bgAccFollowNode1">
+    <dgm:fillClrLst>
+      <a:schemeClr val="accent5">
+        <a:tint val="40000"/>
+        <a:alpha val="90000"/>
+      </a:schemeClr>
+      <a:schemeClr val="accent6">
+        <a:tint val="40000"/>
+        <a:alpha val="90000"/>
+      </a:schemeClr>
+    </dgm:fillClrLst>
+    <dgm:linClrLst>
+      <a:schemeClr val="accent5">
+        <a:tint val="40000"/>
+        <a:alpha val="90000"/>
+      </a:schemeClr>
+      <a:schemeClr val="accent6">
+        <a:tint val="40000"/>
+        <a:alpha val="90000"/>
+      </a:schemeClr>
+    </dgm:linClrLst>
+    <dgm:effectClrLst/>
+    <dgm:txLinClrLst/>
+    <dgm:txFillClrLst meth="repeat">
+      <a:schemeClr val="dk1"/>
+    </dgm:txFillClrLst>
+    <dgm:txEffectClrLst/>
+  </dgm:styleLbl>
+  <dgm:styleLbl name="fgAcc0">
+    <dgm:fillClrLst meth="repeat">
+      <a:schemeClr val="lt1">
+        <a:alpha val="90000"/>
+      </a:schemeClr>
+    </dgm:fillClrLst>
+    <dgm:linClrLst>
+      <a:schemeClr val="accent4"/>
+    </dgm:linClrLst>
+    <dgm:effectClrLst/>
+    <dgm:txLinClrLst/>
+    <dgm:txFillClrLst meth="repeat">
+      <a:schemeClr val="dk1"/>
+    </dgm:txFillClrLst>
+    <dgm:txEffectClrLst/>
+  </dgm:styleLbl>
+  <dgm:styleLbl name="fgAcc2">
+    <dgm:fillClrLst meth="repeat">
+      <a:schemeClr val="lt1">
+        <a:alpha val="90000"/>
+      </a:schemeClr>
+    </dgm:fillClrLst>
+    <dgm:linClrLst>
+      <a:schemeClr val="accent6"/>
+    </dgm:linClrLst>
+    <dgm:effectClrLst/>
+    <dgm:txLinClrLst/>
+    <dgm:txFillClrLst meth="repeat">
+      <a:schemeClr val="dk1"/>
+    </dgm:txFillClrLst>
+    <dgm:txEffectClrLst/>
+  </dgm:styleLbl>
+  <dgm:styleLbl name="fgAcc3">
+    <dgm:fillClrLst meth="repeat">
+      <a:schemeClr val="lt1">
+        <a:alpha val="90000"/>
+      </a:schemeClr>
+    </dgm:fillClrLst>
+    <dgm:linClrLst>
+      <a:schemeClr val="accent1"/>
+    </dgm:linClrLst>
+    <dgm:effectClrLst/>
+    <dgm:txLinClrLst/>
+    <dgm:txFillClrLst meth="repeat">
+      <a:schemeClr val="dk1"/>
+    </dgm:txFillClrLst>
+    <dgm:txEffectClrLst/>
+  </dgm:styleLbl>
+  <dgm:styleLbl name="fgAcc4">
+    <dgm:fillClrLst meth="repeat">
+      <a:schemeClr val="lt1">
+        <a:alpha val="90000"/>
+      </a:schemeClr>
+    </dgm:fillClrLst>
+    <dgm:linClrLst>
+      <a:schemeClr val="accent2"/>
+    </dgm:linClrLst>
+    <dgm:effectClrLst/>
+    <dgm:txLinClrLst/>
+    <dgm:txFillClrLst meth="repeat">
+      <a:schemeClr val="dk1"/>
+    </dgm:txFillClrLst>
+    <dgm:txEffectClrLst/>
+  </dgm:styleLbl>
+  <dgm:styleLbl name="bgShp">
+    <dgm:fillClrLst meth="repeat">
+      <a:schemeClr val="accent5">
+        <a:tint val="40000"/>
+      </a:schemeClr>
+    </dgm:fillClrLst>
+    <dgm:linClrLst meth="repeat">
+      <a:schemeClr val="dk1"/>
+    </dgm:linClrLst>
+    <dgm:effectClrLst/>
+    <dgm:txLinClrLst/>
+    <dgm:txFillClrLst meth="repeat">
+      <a:schemeClr val="dk1"/>
+    </dgm:txFillClrLst>
+    <dgm:txEffectClrLst/>
+  </dgm:styleLbl>
+  <dgm:styleLbl name="dkBgShp">
+    <dgm:fillClrLst meth="repeat">
+      <a:schemeClr val="accent5">
+        <a:shade val="90000"/>
+      </a:schemeClr>
+    </dgm:fillClrLst>
+    <dgm:linClrLst meth="repeat">
+      <a:schemeClr val="dk1"/>
+    </dgm:linClrLst>
+    <dgm:effectClrLst/>
+    <dgm:txLinClrLst/>
+    <dgm:txFillClrLst meth="repeat">
+      <a:schemeClr val="lt1"/>
+    </dgm:txFillClrLst>
+    <dgm:txEffectClrLst/>
+  </dgm:styleLbl>
+  <dgm:styleLbl name="trBgShp">
+    <dgm:fillClrLst meth="repeat">
+      <a:schemeClr val="accent5">
+        <a:tint val="50000"/>
+        <a:alpha val="40000"/>
+      </a:schemeClr>
+    </dgm:fillClrLst>
+    <dgm:linClrLst meth="repeat">
+      <a:schemeClr val="accent5"/>
+    </dgm:linClrLst>
+    <dgm:effectClrLst/>
+    <dgm:txLinClrLst/>
+    <dgm:txFillClrLst meth="repeat">
+      <a:schemeClr val="lt1"/>
+    </dgm:txFillClrLst>
+    <dgm:txEffectClrLst/>
+  </dgm:styleLbl>
+  <dgm:styleLbl name="fgShp">
+    <dgm:fillClrLst meth="repeat">
+      <a:schemeClr val="accent5">
+        <a:tint val="40000"/>
+      </a:schemeClr>
+    </dgm:fillClrLst>
+    <dgm:linClrLst meth="repeat">
+      <a:schemeClr val="lt1"/>
+    </dgm:linClrLst>
+    <dgm:effectClrLst/>
+    <dgm:txLinClrLst/>
+    <dgm:txFillClrLst meth="repeat">
+      <a:schemeClr val="dk1"/>
+    </dgm:txFillClrLst>
+    <dgm:txEffectClrLst/>
+  </dgm:styleLbl>
+  <dgm:styleLbl name="revTx">
+    <dgm:fillClrLst meth="repeat">
+      <a:schemeClr val="lt1">
+        <a:alpha val="0"/>
+      </a:schemeClr>
+    </dgm:fillClrLst>
+    <dgm:linClrLst meth="repeat">
+      <a:schemeClr val="dk1">
+        <a:alpha val="0"/>
+      </a:schemeClr>
+    </dgm:linClrLst>
+    <dgm:effectClrLst/>
+    <dgm:txLinClrLst/>
+    <dgm:txFillClrLst meth="repeat">
+      <a:schemeClr val="tx1"/>
+    </dgm:txFillClrLst>
+    <dgm:txEffectClrLst/>
+  </dgm:styleLbl>
+</dgm:colorsDef>
+</file>
+
+<file path=ppt/diagrams/data1.xml><?xml version="1.0" encoding="utf-8"?>
+<dgm:dataModel xmlns:dgm="http://schemas.openxmlformats.org/drawingml/2006/diagram" xmlns:a="http://schemas.openxmlformats.org/drawingml/2006/main">
+  <dgm:ptLst>
+    <dgm:pt modelId="{40F2835A-A3C1-4D12-B294-616D59ABCE24}" type="doc">
+      <dgm:prSet loTypeId="urn:microsoft.com/office/officeart/2005/8/layout/vList2" loCatId="list" qsTypeId="urn:microsoft.com/office/officeart/2005/8/quickstyle/simple1" qsCatId="simple" csTypeId="urn:microsoft.com/office/officeart/2005/8/colors/colorful5" csCatId="colorful"/>
+      <dgm:spPr/>
+      <dgm:t>
+        <a:bodyPr/>
+        <a:lstStyle/>
+        <a:p>
+          <a:endParaRPr lang="en-US"/>
+        </a:p>
+      </dgm:t>
+    </dgm:pt>
+    <dgm:pt modelId="{2C3957E8-F778-4098-89A5-8DAE2B1A74F2}">
+      <dgm:prSet/>
+      <dgm:spPr/>
+      <dgm:t>
+        <a:bodyPr/>
+        <a:lstStyle/>
+        <a:p>
+          <a:r>
+            <a:rPr lang="en-AU"/>
+            <a:t>HTML5</a:t>
+          </a:r>
+          <a:endParaRPr lang="en-US"/>
+        </a:p>
+      </dgm:t>
+    </dgm:pt>
+    <dgm:pt modelId="{86BD92BF-A36E-49FF-854F-D573499DC6A6}" type="parTrans" cxnId="{4A0F3060-DD50-4F81-A128-D379799A6579}">
+      <dgm:prSet/>
+      <dgm:spPr/>
+      <dgm:t>
+        <a:bodyPr/>
+        <a:lstStyle/>
+        <a:p>
+          <a:endParaRPr lang="en-US"/>
+        </a:p>
+      </dgm:t>
+    </dgm:pt>
+    <dgm:pt modelId="{CAAD4B72-0473-4F5E-9BA6-0A26E9FA63A6}" type="sibTrans" cxnId="{4A0F3060-DD50-4F81-A128-D379799A6579}">
+      <dgm:prSet/>
+      <dgm:spPr/>
+      <dgm:t>
+        <a:bodyPr/>
+        <a:lstStyle/>
+        <a:p>
+          <a:endParaRPr lang="en-US"/>
+        </a:p>
+      </dgm:t>
+    </dgm:pt>
+    <dgm:pt modelId="{165E7307-5D3B-4010-B054-BD3CEA6AF17D}">
+      <dgm:prSet/>
+      <dgm:spPr/>
+      <dgm:t>
+        <a:bodyPr/>
+        <a:lstStyle/>
+        <a:p>
+          <a:r>
+            <a:rPr lang="en-AU"/>
+            <a:t>CSS3</a:t>
+          </a:r>
+          <a:endParaRPr lang="en-US"/>
+        </a:p>
+      </dgm:t>
+    </dgm:pt>
+    <dgm:pt modelId="{E5CBD127-F26F-4716-94C5-90068EE6FE95}" type="parTrans" cxnId="{D7699008-AA99-4F8C-B78D-12102B5C199C}">
+      <dgm:prSet/>
+      <dgm:spPr/>
+      <dgm:t>
+        <a:bodyPr/>
+        <a:lstStyle/>
+        <a:p>
+          <a:endParaRPr lang="en-US"/>
+        </a:p>
+      </dgm:t>
+    </dgm:pt>
+    <dgm:pt modelId="{0EC7559E-7124-42E9-960F-4C8F6B5C879B}" type="sibTrans" cxnId="{D7699008-AA99-4F8C-B78D-12102B5C199C}">
+      <dgm:prSet/>
+      <dgm:spPr/>
+      <dgm:t>
+        <a:bodyPr/>
+        <a:lstStyle/>
+        <a:p>
+          <a:endParaRPr lang="en-US"/>
+        </a:p>
+      </dgm:t>
+    </dgm:pt>
+    <dgm:pt modelId="{A0B5EC4B-33AD-4B63-A016-93113476FD8E}">
+      <dgm:prSet/>
+      <dgm:spPr/>
+      <dgm:t>
+        <a:bodyPr/>
+        <a:lstStyle/>
+        <a:p>
+          <a:r>
+            <a:rPr lang="en-AU"/>
+            <a:t>Bootstrap4</a:t>
+          </a:r>
+          <a:endParaRPr lang="en-US"/>
+        </a:p>
+      </dgm:t>
+    </dgm:pt>
+    <dgm:pt modelId="{8587AB05-4A98-4B07-A77E-FC9C60031A9B}" type="parTrans" cxnId="{323F5CD3-3733-408B-BD4B-6EBF83CD0634}">
+      <dgm:prSet/>
+      <dgm:spPr/>
+      <dgm:t>
+        <a:bodyPr/>
+        <a:lstStyle/>
+        <a:p>
+          <a:endParaRPr lang="en-US"/>
+        </a:p>
+      </dgm:t>
+    </dgm:pt>
+    <dgm:pt modelId="{FE98E73A-76A5-4DC2-B286-681D24CBB588}" type="sibTrans" cxnId="{323F5CD3-3733-408B-BD4B-6EBF83CD0634}">
+      <dgm:prSet/>
+      <dgm:spPr/>
+      <dgm:t>
+        <a:bodyPr/>
+        <a:lstStyle/>
+        <a:p>
+          <a:endParaRPr lang="en-US"/>
+        </a:p>
+      </dgm:t>
+    </dgm:pt>
+    <dgm:pt modelId="{A5DD7B66-0B6E-467A-B15C-7A22B21465C8}" type="pres">
+      <dgm:prSet presAssocID="{40F2835A-A3C1-4D12-B294-616D59ABCE24}" presName="linear" presStyleCnt="0">
+        <dgm:presLayoutVars>
+          <dgm:animLvl val="lvl"/>
+          <dgm:resizeHandles val="exact"/>
+        </dgm:presLayoutVars>
+      </dgm:prSet>
+      <dgm:spPr/>
+    </dgm:pt>
+    <dgm:pt modelId="{75CA8983-B144-4643-A5A2-5A66F11B4744}" type="pres">
+      <dgm:prSet presAssocID="{2C3957E8-F778-4098-89A5-8DAE2B1A74F2}" presName="parentText" presStyleLbl="node1" presStyleIdx="0" presStyleCnt="3">
+        <dgm:presLayoutVars>
+          <dgm:chMax val="0"/>
+          <dgm:bulletEnabled val="1"/>
+        </dgm:presLayoutVars>
+      </dgm:prSet>
+      <dgm:spPr/>
+    </dgm:pt>
+    <dgm:pt modelId="{39A1A35D-7E30-4EA9-8A07-A72976AF53C7}" type="pres">
+      <dgm:prSet presAssocID="{CAAD4B72-0473-4F5E-9BA6-0A26E9FA63A6}" presName="spacer" presStyleCnt="0"/>
+      <dgm:spPr/>
+    </dgm:pt>
+    <dgm:pt modelId="{49431D88-222E-48E2-A28E-729861D0FE95}" type="pres">
+      <dgm:prSet presAssocID="{165E7307-5D3B-4010-B054-BD3CEA6AF17D}" presName="parentText" presStyleLbl="node1" presStyleIdx="1" presStyleCnt="3">
+        <dgm:presLayoutVars>
+          <dgm:chMax val="0"/>
+          <dgm:bulletEnabled val="1"/>
+        </dgm:presLayoutVars>
+      </dgm:prSet>
+      <dgm:spPr/>
+    </dgm:pt>
+    <dgm:pt modelId="{38D1A93F-F2DB-4688-B143-39EF4DE84F7D}" type="pres">
+      <dgm:prSet presAssocID="{0EC7559E-7124-42E9-960F-4C8F6B5C879B}" presName="spacer" presStyleCnt="0"/>
+      <dgm:spPr/>
+    </dgm:pt>
+    <dgm:pt modelId="{54B4B6B5-E1AD-4A5C-8F3A-19EFE458D01D}" type="pres">
+      <dgm:prSet presAssocID="{A0B5EC4B-33AD-4B63-A016-93113476FD8E}" presName="parentText" presStyleLbl="node1" presStyleIdx="2" presStyleCnt="3">
+        <dgm:presLayoutVars>
+          <dgm:chMax val="0"/>
+          <dgm:bulletEnabled val="1"/>
+        </dgm:presLayoutVars>
+      </dgm:prSet>
+      <dgm:spPr/>
+    </dgm:pt>
+  </dgm:ptLst>
+  <dgm:cxnLst>
+    <dgm:cxn modelId="{BBCC7F02-D8A2-4FA3-9243-D93AA6A79CEC}" type="presOf" srcId="{165E7307-5D3B-4010-B054-BD3CEA6AF17D}" destId="{49431D88-222E-48E2-A28E-729861D0FE95}" srcOrd="0" destOrd="0" presId="urn:microsoft.com/office/officeart/2005/8/layout/vList2"/>
+    <dgm:cxn modelId="{D7699008-AA99-4F8C-B78D-12102B5C199C}" srcId="{40F2835A-A3C1-4D12-B294-616D59ABCE24}" destId="{165E7307-5D3B-4010-B054-BD3CEA6AF17D}" srcOrd="1" destOrd="0" parTransId="{E5CBD127-F26F-4716-94C5-90068EE6FE95}" sibTransId="{0EC7559E-7124-42E9-960F-4C8F6B5C879B}"/>
+    <dgm:cxn modelId="{4A0F3060-DD50-4F81-A128-D379799A6579}" srcId="{40F2835A-A3C1-4D12-B294-616D59ABCE24}" destId="{2C3957E8-F778-4098-89A5-8DAE2B1A74F2}" srcOrd="0" destOrd="0" parTransId="{86BD92BF-A36E-49FF-854F-D573499DC6A6}" sibTransId="{CAAD4B72-0473-4F5E-9BA6-0A26E9FA63A6}"/>
+    <dgm:cxn modelId="{A088A44A-8DF0-422C-B20B-36D87652F3F7}" type="presOf" srcId="{40F2835A-A3C1-4D12-B294-616D59ABCE24}" destId="{A5DD7B66-0B6E-467A-B15C-7A22B21465C8}" srcOrd="0" destOrd="0" presId="urn:microsoft.com/office/officeart/2005/8/layout/vList2"/>
+    <dgm:cxn modelId="{EB80475A-88C0-4FAA-B2D6-D6CCD1609BC9}" type="presOf" srcId="{A0B5EC4B-33AD-4B63-A016-93113476FD8E}" destId="{54B4B6B5-E1AD-4A5C-8F3A-19EFE458D01D}" srcOrd="0" destOrd="0" presId="urn:microsoft.com/office/officeart/2005/8/layout/vList2"/>
+    <dgm:cxn modelId="{3C97088F-5BE8-4B8E-B8AE-DE3B6E15AF35}" type="presOf" srcId="{2C3957E8-F778-4098-89A5-8DAE2B1A74F2}" destId="{75CA8983-B144-4643-A5A2-5A66F11B4744}" srcOrd="0" destOrd="0" presId="urn:microsoft.com/office/officeart/2005/8/layout/vList2"/>
+    <dgm:cxn modelId="{323F5CD3-3733-408B-BD4B-6EBF83CD0634}" srcId="{40F2835A-A3C1-4D12-B294-616D59ABCE24}" destId="{A0B5EC4B-33AD-4B63-A016-93113476FD8E}" srcOrd="2" destOrd="0" parTransId="{8587AB05-4A98-4B07-A77E-FC9C60031A9B}" sibTransId="{FE98E73A-76A5-4DC2-B286-681D24CBB588}"/>
+    <dgm:cxn modelId="{FFFD7746-7228-4949-8CFD-9A6F521C5CA0}" type="presParOf" srcId="{A5DD7B66-0B6E-467A-B15C-7A22B21465C8}" destId="{75CA8983-B144-4643-A5A2-5A66F11B4744}" srcOrd="0" destOrd="0" presId="urn:microsoft.com/office/officeart/2005/8/layout/vList2"/>
+    <dgm:cxn modelId="{DE0D6956-48BA-4659-9D04-8ACE3E4763E2}" type="presParOf" srcId="{A5DD7B66-0B6E-467A-B15C-7A22B21465C8}" destId="{39A1A35D-7E30-4EA9-8A07-A72976AF53C7}" srcOrd="1" destOrd="0" presId="urn:microsoft.com/office/officeart/2005/8/layout/vList2"/>
+    <dgm:cxn modelId="{CBB94CF9-82D8-4BCB-B3D7-0CB562D24294}" type="presParOf" srcId="{A5DD7B66-0B6E-467A-B15C-7A22B21465C8}" destId="{49431D88-222E-48E2-A28E-729861D0FE95}" srcOrd="2" destOrd="0" presId="urn:microsoft.com/office/officeart/2005/8/layout/vList2"/>
+    <dgm:cxn modelId="{3AD140AB-66AD-429D-8640-FE544EDAE05C}" type="presParOf" srcId="{A5DD7B66-0B6E-467A-B15C-7A22B21465C8}" destId="{38D1A93F-F2DB-4688-B143-39EF4DE84F7D}" srcOrd="3" destOrd="0" presId="urn:microsoft.com/office/officeart/2005/8/layout/vList2"/>
+    <dgm:cxn modelId="{A51E6598-FBE6-4E10-B3F7-90361803F870}" type="presParOf" srcId="{A5DD7B66-0B6E-467A-B15C-7A22B21465C8}" destId="{54B4B6B5-E1AD-4A5C-8F3A-19EFE458D01D}" srcOrd="4" destOrd="0" presId="urn:microsoft.com/office/officeart/2005/8/layout/vList2"/>
+  </dgm:cxnLst>
+  <dgm:bg/>
+  <dgm:whole/>
+  <dgm:extLst>
+    <a:ext uri="http://schemas.microsoft.com/office/drawing/2008/diagram">
+      <dsp:dataModelExt xmlns:dsp="http://schemas.microsoft.com/office/drawing/2008/diagram" relId="rId6" minVer="http://schemas.openxmlformats.org/drawingml/2006/diagram"/>
+    </a:ext>
+  </dgm:extLst>
+</dgm:dataModel>
+</file>
+
+<file path=ppt/diagrams/drawing1.xml><?xml version="1.0" encoding="utf-8"?>
+<dsp:drawing xmlns:dgm="http://schemas.openxmlformats.org/drawingml/2006/diagram" xmlns:dsp="http://schemas.microsoft.com/office/drawing/2008/diagram" xmlns:a="http://schemas.openxmlformats.org/drawingml/2006/main">
+  <dsp:spTree>
+    <dsp:nvGrpSpPr>
+      <dsp:cNvPr id="0" name=""/>
+      <dsp:cNvGrpSpPr/>
+    </dsp:nvGrpSpPr>
+    <dsp:grpSpPr/>
+    <dsp:sp modelId="{75CA8983-B144-4643-A5A2-5A66F11B4744}">
+      <dsp:nvSpPr>
+        <dsp:cNvPr id="0" name=""/>
+        <dsp:cNvSpPr/>
+      </dsp:nvSpPr>
+      <dsp:spPr>
+        <a:xfrm>
+          <a:off x="0" y="260324"/>
+          <a:ext cx="5457824" cy="1559025"/>
+        </a:xfrm>
+        <a:prstGeom prst="roundRect">
+          <a:avLst/>
+        </a:prstGeom>
+        <a:solidFill>
+          <a:schemeClr val="accent5">
+            <a:hueOff val="0"/>
+            <a:satOff val="0"/>
+            <a:lumOff val="0"/>
+            <a:alphaOff val="0"/>
+          </a:schemeClr>
+        </a:solidFill>
+        <a:ln w="12700" cap="flat" cmpd="sng" algn="ctr">
+          <a:solidFill>
+            <a:schemeClr val="lt1">
+              <a:hueOff val="0"/>
+              <a:satOff val="0"/>
+              <a:lumOff val="0"/>
+              <a:alphaOff val="0"/>
+            </a:schemeClr>
+          </a:solidFill>
+          <a:prstDash val="solid"/>
+          <a:miter lim="800000"/>
+        </a:ln>
+        <a:effectLst/>
+      </dsp:spPr>
+      <dsp:style>
+        <a:lnRef idx="2">
+          <a:scrgbClr r="0" g="0" b="0"/>
+        </a:lnRef>
+        <a:fillRef idx="1">
+          <a:scrgbClr r="0" g="0" b="0"/>
+        </a:fillRef>
+        <a:effectRef idx="0">
+          <a:scrgbClr r="0" g="0" b="0"/>
+        </a:effectRef>
+        <a:fontRef idx="minor">
+          <a:schemeClr val="lt1"/>
+        </a:fontRef>
+      </dsp:style>
+      <dsp:txBody>
+        <a:bodyPr spcFirstLastPara="0" vert="horz" wrap="square" lIns="247650" tIns="247650" rIns="247650" bIns="247650" numCol="1" spcCol="1270" anchor="ctr" anchorCtr="0">
+          <a:noAutofit/>
+        </a:bodyPr>
+        <a:lstStyle/>
+        <a:p>
+          <a:pPr marL="0" lvl="0" indent="0" algn="l" defTabSz="2889250">
+            <a:lnSpc>
+              <a:spcPct val="90000"/>
+            </a:lnSpc>
+            <a:spcBef>
+              <a:spcPct val="0"/>
+            </a:spcBef>
+            <a:spcAft>
+              <a:spcPct val="35000"/>
+            </a:spcAft>
+            <a:buNone/>
+          </a:pPr>
+          <a:r>
+            <a:rPr lang="en-AU" sz="6500" kern="1200"/>
+            <a:t>HTML5</a:t>
+          </a:r>
+          <a:endParaRPr lang="en-US" sz="6500" kern="1200"/>
+        </a:p>
+      </dsp:txBody>
+      <dsp:txXfrm>
+        <a:off x="76105" y="336429"/>
+        <a:ext cx="5305614" cy="1406815"/>
+      </dsp:txXfrm>
+    </dsp:sp>
+    <dsp:sp modelId="{49431D88-222E-48E2-A28E-729861D0FE95}">
+      <dsp:nvSpPr>
+        <dsp:cNvPr id="0" name=""/>
+        <dsp:cNvSpPr/>
+      </dsp:nvSpPr>
+      <dsp:spPr>
+        <a:xfrm>
+          <a:off x="0" y="2006550"/>
+          <a:ext cx="5457824" cy="1559025"/>
+        </a:xfrm>
+        <a:prstGeom prst="roundRect">
+          <a:avLst/>
+        </a:prstGeom>
+        <a:solidFill>
+          <a:schemeClr val="accent5">
+            <a:hueOff val="-3379271"/>
+            <a:satOff val="-8710"/>
+            <a:lumOff val="-5883"/>
+            <a:alphaOff val="0"/>
+          </a:schemeClr>
+        </a:solidFill>
+        <a:ln w="12700" cap="flat" cmpd="sng" algn="ctr">
+          <a:solidFill>
+            <a:schemeClr val="lt1">
+              <a:hueOff val="0"/>
+              <a:satOff val="0"/>
+              <a:lumOff val="0"/>
+              <a:alphaOff val="0"/>
+            </a:schemeClr>
+          </a:solidFill>
+          <a:prstDash val="solid"/>
+          <a:miter lim="800000"/>
+        </a:ln>
+        <a:effectLst/>
+      </dsp:spPr>
+      <dsp:style>
+        <a:lnRef idx="2">
+          <a:scrgbClr r="0" g="0" b="0"/>
+        </a:lnRef>
+        <a:fillRef idx="1">
+          <a:scrgbClr r="0" g="0" b="0"/>
+        </a:fillRef>
+        <a:effectRef idx="0">
+          <a:scrgbClr r="0" g="0" b="0"/>
+        </a:effectRef>
+        <a:fontRef idx="minor">
+          <a:schemeClr val="lt1"/>
+        </a:fontRef>
+      </dsp:style>
+      <dsp:txBody>
+        <a:bodyPr spcFirstLastPara="0" vert="horz" wrap="square" lIns="247650" tIns="247650" rIns="247650" bIns="247650" numCol="1" spcCol="1270" anchor="ctr" anchorCtr="0">
+          <a:noAutofit/>
+        </a:bodyPr>
+        <a:lstStyle/>
+        <a:p>
+          <a:pPr marL="0" lvl="0" indent="0" algn="l" defTabSz="2889250">
+            <a:lnSpc>
+              <a:spcPct val="90000"/>
+            </a:lnSpc>
+            <a:spcBef>
+              <a:spcPct val="0"/>
+            </a:spcBef>
+            <a:spcAft>
+              <a:spcPct val="35000"/>
+            </a:spcAft>
+            <a:buNone/>
+          </a:pPr>
+          <a:r>
+            <a:rPr lang="en-AU" sz="6500" kern="1200"/>
+            <a:t>CSS3</a:t>
+          </a:r>
+          <a:endParaRPr lang="en-US" sz="6500" kern="1200"/>
+        </a:p>
+      </dsp:txBody>
+      <dsp:txXfrm>
+        <a:off x="76105" y="2082655"/>
+        <a:ext cx="5305614" cy="1406815"/>
+      </dsp:txXfrm>
+    </dsp:sp>
+    <dsp:sp modelId="{54B4B6B5-E1AD-4A5C-8F3A-19EFE458D01D}">
+      <dsp:nvSpPr>
+        <dsp:cNvPr id="0" name=""/>
+        <dsp:cNvSpPr/>
+      </dsp:nvSpPr>
+      <dsp:spPr>
+        <a:xfrm>
+          <a:off x="0" y="3752775"/>
+          <a:ext cx="5457824" cy="1559025"/>
+        </a:xfrm>
+        <a:prstGeom prst="roundRect">
+          <a:avLst/>
+        </a:prstGeom>
+        <a:solidFill>
+          <a:schemeClr val="accent5">
+            <a:hueOff val="-6758543"/>
+            <a:satOff val="-17419"/>
+            <a:lumOff val="-11765"/>
+            <a:alphaOff val="0"/>
+          </a:schemeClr>
+        </a:solidFill>
+        <a:ln w="12700" cap="flat" cmpd="sng" algn="ctr">
+          <a:solidFill>
+            <a:schemeClr val="lt1">
+              <a:hueOff val="0"/>
+              <a:satOff val="0"/>
+              <a:lumOff val="0"/>
+              <a:alphaOff val="0"/>
+            </a:schemeClr>
+          </a:solidFill>
+          <a:prstDash val="solid"/>
+          <a:miter lim="800000"/>
+        </a:ln>
+        <a:effectLst/>
+      </dsp:spPr>
+      <dsp:style>
+        <a:lnRef idx="2">
+          <a:scrgbClr r="0" g="0" b="0"/>
+        </a:lnRef>
+        <a:fillRef idx="1">
+          <a:scrgbClr r="0" g="0" b="0"/>
+        </a:fillRef>
+        <a:effectRef idx="0">
+          <a:scrgbClr r="0" g="0" b="0"/>
+        </a:effectRef>
+        <a:fontRef idx="minor">
+          <a:schemeClr val="lt1"/>
+        </a:fontRef>
+      </dsp:style>
+      <dsp:txBody>
+        <a:bodyPr spcFirstLastPara="0" vert="horz" wrap="square" lIns="247650" tIns="247650" rIns="247650" bIns="247650" numCol="1" spcCol="1270" anchor="ctr" anchorCtr="0">
+          <a:noAutofit/>
+        </a:bodyPr>
+        <a:lstStyle/>
+        <a:p>
+          <a:pPr marL="0" lvl="0" indent="0" algn="l" defTabSz="2889250">
+            <a:lnSpc>
+              <a:spcPct val="90000"/>
+            </a:lnSpc>
+            <a:spcBef>
+              <a:spcPct val="0"/>
+            </a:spcBef>
+            <a:spcAft>
+              <a:spcPct val="35000"/>
+            </a:spcAft>
+            <a:buNone/>
+          </a:pPr>
+          <a:r>
+            <a:rPr lang="en-AU" sz="6500" kern="1200"/>
+            <a:t>Bootstrap4</a:t>
+          </a:r>
+          <a:endParaRPr lang="en-US" sz="6500" kern="1200"/>
+        </a:p>
+      </dsp:txBody>
+      <dsp:txXfrm>
+        <a:off x="76105" y="3828880"/>
+        <a:ext cx="5305614" cy="1406815"/>
+      </dsp:txXfrm>
+    </dsp:sp>
+  </dsp:spTree>
+</dsp:drawing>
+</file>
+
+<file path=ppt/diagrams/layout1.xml><?xml version="1.0" encoding="utf-8"?>
+<dgm:layoutDef xmlns:dgm="http://schemas.openxmlformats.org/drawingml/2006/diagram" xmlns:a="http://schemas.openxmlformats.org/drawingml/2006/main" uniqueId="urn:microsoft.com/office/officeart/2005/8/layout/vList2">
+  <dgm:title val=""/>
+  <dgm:desc val=""/>
+  <dgm:catLst>
+    <dgm:cat type="list" pri="3000"/>
+    <dgm:cat type="convert" pri="1000"/>
+  </dgm:catLst>
+  <dgm:sampData>
+    <dgm:dataModel>
+      <dgm:ptLst>
+        <dgm:pt modelId="0" type="doc"/>
+        <dgm:pt modelId="1">
+          <dgm:prSet phldr="1"/>
+        </dgm:pt>
+        <dgm:pt modelId="11">
+          <dgm:prSet phldr="1"/>
+        </dgm:pt>
+        <dgm:pt modelId="2">
+          <dgm:prSet phldr="1"/>
+        </dgm:pt>
+        <dgm:pt modelId="21">
+          <dgm:prSet phldr="1"/>
+        </dgm:pt>
+      </dgm:ptLst>
+      <dgm:cxnLst>
+        <dgm:cxn modelId="4" srcId="0" destId="1" srcOrd="0" destOrd="0"/>
+        <dgm:cxn modelId="5" srcId="0" destId="2" srcOrd="1" destOrd="0"/>
+        <dgm:cxn modelId="12" srcId="1" destId="11" srcOrd="0" destOrd="0"/>
+        <dgm:cxn modelId="23" srcId="2" destId="21" srcOrd="0" destOrd="0"/>
+      </dgm:cxnLst>
+      <dgm:bg/>
+      <dgm:whole/>
+    </dgm:dataModel>
+  </dgm:sampData>
+  <dgm:styleData>
+    <dgm:dataModel>
+      <dgm:ptLst>
+        <dgm:pt modelId="0" type="doc"/>
+        <dgm:pt modelId="1"/>
+        <dgm:pt modelId="2"/>
+      </dgm:ptLst>
+      <dgm:cxnLst>
+        <dgm:cxn modelId="3" srcId="0" destId="1" srcOrd="0" destOrd="0"/>
+        <dgm:cxn modelId="4" srcId="0" destId="2" srcOrd="1" destOrd="0"/>
+      </dgm:cxnLst>
+      <dgm:bg/>
+      <dgm:whole/>
+    </dgm:dataModel>
+  </dgm:styleData>
+  <dgm:clrData>
+    <dgm:dataModel>
+      <dgm:ptLst>
+        <dgm:pt modelId="0" type="doc"/>
+        <dgm:pt modelId="1"/>
+        <dgm:pt modelId="2"/>
+        <dgm:pt modelId="3"/>
+        <dgm:pt modelId="4"/>
+      </dgm:ptLst>
+      <dgm:cxnLst>
+        <dgm:cxn modelId="5" srcId="0" destId="1" srcOrd="0" destOrd="0"/>
+        <dgm:cxn modelId="6" srcId="0" destId="2" srcOrd="1" destOrd="0"/>
+        <dgm:cxn modelId="7" srcId="0" destId="3" srcOrd="2" destOrd="0"/>
+        <dgm:cxn modelId="8" srcId="0" destId="4" srcOrd="3" destOrd="0"/>
+      </dgm:cxnLst>
+      <dgm:bg/>
+      <dgm:whole/>
+    </dgm:dataModel>
+  </dgm:clrData>
+  <dgm:layoutNode name="linear">
+    <dgm:varLst>
+      <dgm:animLvl val="lvl"/>
+      <dgm:resizeHandles val="exact"/>
+    </dgm:varLst>
+    <dgm:alg type="lin">
+      <dgm:param type="linDir" val="fromT"/>
+      <dgm:param type="vertAlign" val="mid"/>
+    </dgm:alg>
+    <dgm:shape xmlns:r="http://schemas.openxmlformats.org/officeDocument/2006/relationships" r:blip="">
+      <dgm:adjLst/>
+    </dgm:shape>
+    <dgm:presOf/>
+    <dgm:constrLst>
+      <dgm:constr type="w" for="ch" forName="parentText" refType="w"/>
+      <dgm:constr type="h" for="ch" forName="parentText" refType="primFontSz" refFor="ch" refForName="parentText" fact="0.52"/>
+      <dgm:constr type="w" for="ch" forName="childText" refType="w"/>
+      <dgm:constr type="h" for="ch" forName="childText" refType="primFontSz" refFor="ch" refForName="parentText" fact="0.46"/>
+      <dgm:constr type="h" for="ch" forName="parentText" op="equ"/>
+      <dgm:constr type="primFontSz" for="ch" forName="parentText" op="equ" val="65"/>
+      <dgm:constr type="primFontSz" for="ch" forName="childText" refType="primFontSz" refFor="ch" refForName="parentText" op="equ"/>
+      <dgm:constr type="h" for="ch" forName="spacer" refType="primFontSz" refFor="ch" refForName="parentText" fact="0.08"/>
+    </dgm:constrLst>
+    <dgm:ruleLst>
+      <dgm:rule type="primFontSz" for="ch" forName="parentText" val="5" fact="NaN" max="NaN"/>
+    </dgm:ruleLst>
+    <dgm:forEach name="Name0" axis="ch" ptType="node">
+      <dgm:layoutNode name="parentText" styleLbl="node1">
+        <dgm:varLst>
+          <dgm:chMax val="0"/>
+          <dgm:bulletEnabled val="1"/>
+        </dgm:varLst>
+        <dgm:alg type="tx">
+          <dgm:param type="parTxLTRAlign" val="l"/>
+          <dgm:param type="parTxRTLAlign" val="r"/>
+        </dgm:alg>
+        <dgm:shape xmlns:r="http://schemas.openxmlformats.org/officeDocument/2006/relationships" type="roundRect" r:blip="">
+          <dgm:adjLst/>
+        </dgm:shape>
+        <dgm:presOf axis="self"/>
+        <dgm:constrLst>
+          <dgm:constr type="tMarg" refType="primFontSz" fact="0.3"/>
+          <dgm:constr type="bMarg" refType="primFontSz" fact="0.3"/>
+          <dgm:constr type="lMarg" refType="primFontSz" fact="0.3"/>
+          <dgm:constr type="rMarg" refType="primFontSz" fact="0.3"/>
+        </dgm:constrLst>
+        <dgm:ruleLst>
+          <dgm:rule type="h" val="INF" fact="NaN" max="NaN"/>
+        </dgm:ruleLst>
+      </dgm:layoutNode>
+      <dgm:choose name="Name1">
+        <dgm:if name="Name2" axis="ch" ptType="node" func="cnt" op="gte" val="1">
+          <dgm:layoutNode name="childText" styleLbl="revTx">
+            <dgm:varLst>
+              <dgm:bulletEnabled val="1"/>
+            </dgm:varLst>
+            <dgm:alg type="tx">
+              <dgm:param type="stBulletLvl" val="1"/>
+              <dgm:param type="lnSpAfChP" val="20"/>
+            </dgm:alg>
+            <dgm:shape xmlns:r="http://schemas.openxmlformats.org/officeDocument/2006/relationships" type="rect" r:blip="">
+              <dgm:adjLst/>
+            </dgm:shape>
+            <dgm:presOf axis="des" ptType="node"/>
+            <dgm:constrLst>
+              <dgm:constr type="tMarg" refType="primFontSz" fact="0.1"/>
+              <dgm:constr type="bMarg" refType="primFontSz" fact="0.1"/>
+              <dgm:constr type="lMarg" refType="w" fact="0.09"/>
+            </dgm:constrLst>
+            <dgm:ruleLst>
+              <dgm:rule type="h" val="INF" fact="NaN" max="NaN"/>
+            </dgm:ruleLst>
+          </dgm:layoutNode>
+        </dgm:if>
+        <dgm:else name="Name3">
+          <dgm:choose name="Name4">
+            <dgm:if name="Name5" axis="par ch" ptType="doc node" func="cnt" op="gte" val="2">
+              <dgm:forEach name="Name6" axis="followSib" ptType="sibTrans" cnt="1">
+                <dgm:layoutNode name="spacer">
+                  <dgm:alg type="sp"/>
+                  <dgm:shape xmlns:r="http://schemas.openxmlformats.org/officeDocument/2006/relationships" r:blip="">
+                    <dgm:adjLst/>
+                  </dgm:shape>
+                  <dgm:presOf/>
+                  <dgm:constrLst/>
+                  <dgm:ruleLst/>
+                </dgm:layoutNode>
+              </dgm:forEach>
+            </dgm:if>
+            <dgm:else name="Name7"/>
+          </dgm:choose>
+        </dgm:else>
+      </dgm:choose>
+    </dgm:forEach>
+  </dgm:layoutNode>
+</dgm:layoutDef>
+</file>
+
+<file path=ppt/diagrams/quickStyle1.xml><?xml version="1.0" encoding="utf-8"?>
+<dgm:styleDef xmlns:dgm="http://schemas.openxmlformats.org/drawingml/2006/diagram" xmlns:a="http://schemas.openxmlformats.org/drawingml/2006/main" uniqueId="urn:microsoft.com/office/officeart/2005/8/quickstyle/simple1">
+  <dgm:title val=""/>
+  <dgm:desc val=""/>
+  <dgm:catLst>
+    <dgm:cat type="simple" pri="10100"/>
+  </dgm:catLst>
+  <dgm:scene3d>
+    <a:camera prst="orthographicFront"/>
+    <a:lightRig rig="threePt" dir="t"/>
+  </dgm:scene3d>
+  <dgm:styleLbl name="node0">
+    <dgm:scene3d>
+      <a:camera prst="orthographicFront"/>
+      <a:lightRig rig="threePt" dir="t"/>
+    </dgm:scene3d>
+    <dgm:sp3d/>
+    <dgm:txPr/>
+    <dgm:style>
+      <a:lnRef idx="2">
+        <a:scrgbClr r="0" g="0" b="0"/>
+      </a:lnRef>
+      <a:fillRef idx="1">
+        <a:scrgbClr r="0" g="0" b="0"/>
+      </a:fillRef>
+      <a:effectRef idx="0">
+        <a:scrgbClr r="0" g="0" b="0"/>
+      </a:effectRef>
+      <a:fontRef idx="minor">
+        <a:schemeClr val="lt1"/>
+      </a:fontRef>
+    </dgm:style>
+  </dgm:styleLbl>
+  <dgm:styleLbl name="lnNode1">
+    <dgm:scene3d>
+      <a:camera prst="orthographicFront"/>
+      <a:lightRig rig="threePt" dir="t"/>
+    </dgm:scene3d>
+    <dgm:sp3d/>
+    <dgm:txPr/>
+    <dgm:style>
+      <a:lnRef idx="2">
+        <a:scrgbClr r="0" g="0" b="0"/>
+      </a:lnRef>
+      <a:fillRef idx="1">
+        <a:scrgbClr r="0" g="0" b="0"/>
+      </a:fillRef>
+      <a:effectRef idx="0">
+        <a:scrgbClr r="0" g="0" b="0"/>
+      </a:effectRef>
+      <a:fontRef idx="minor">
+        <a:schemeClr val="lt1"/>
+      </a:fontRef>
+    </dgm:style>
+  </dgm:styleLbl>
+  <dgm:styleLbl name="vennNode1">
+    <dgm:scene3d>
+      <a:camera prst="orthographicFront"/>
+      <a:lightRig rig="threePt" dir="t"/>
+    </dgm:scene3d>
+    <dgm:sp3d/>
+    <dgm:txPr/>
+    <dgm:style>
+      <a:lnRef idx="2">
+        <a:scrgbClr r="0" g="0" b="0"/>
+      </a:lnRef>
+      <a:fillRef idx="1">
+        <a:scrgbClr r="0" g="0" b="0"/>
+      </a:fillRef>
+      <a:effectRef idx="0">
+        <a:scrgbClr r="0" g="0" b="0"/>
+      </a:effectRef>
+      <a:fontRef idx="minor">
+        <a:schemeClr val="tx1"/>
+      </a:fontRef>
+    </dgm:style>
+  </dgm:styleLbl>
+  <dgm:styleLbl name="alignNode1">
+    <dgm:scene3d>
+      <a:camera prst="orthographicFront"/>
+      <a:lightRig rig="threePt" dir="t"/>
+    </dgm:scene3d>
+    <dgm:sp3d/>
+    <dgm:txPr/>
+    <dgm:style>
+      <a:lnRef idx="2">
+        <a:scrgbClr r="0" g="0" b="0"/>
+      </a:lnRef>
+      <a:fillRef idx="1">
+        <a:scrgbClr r="0" g="0" b="0"/>
+      </a:fillRef>
+      <a:effectRef idx="0">
+        <a:scrgbClr r="0" g="0" b="0"/>
+      </a:effectRef>
+      <a:fontRef idx="minor">
+        <a:schemeClr val="lt1"/>
+      </a:fontRef>
+    </dgm:style>
+  </dgm:styleLbl>
+  <dgm:styleLbl name="node1">
+    <dgm:scene3d>
+      <a:camera prst="orthographicFront"/>
+      <a:lightRig rig="threePt" dir="t"/>
+    </dgm:scene3d>
+    <dgm:sp3d/>
+    <dgm:txPr/>
+    <dgm:style>
+      <a:lnRef idx="2">
+        <a:scrgbClr r="0" g="0" b="0"/>
+      </a:lnRef>
+      <a:fillRef idx="1">
+        <a:scrgbClr r="0" g="0" b="0"/>
+      </a:fillRef>
+      <a:effectRef idx="0">
+        <a:scrgbClr r="0" g="0" b="0"/>
+      </a:effectRef>
+      <a:fontRef idx="minor">
+        <a:schemeClr val="lt1"/>
+      </a:fontRef>
+    </dgm:style>
+  </dgm:styleLbl>
+  <dgm:styleLbl name="node2">
+    <dgm:scene3d>
+      <a:camera prst="orthographicFront"/>
+      <a:lightRig rig="threePt" dir="t"/>
+    </dgm:scene3d>
+    <dgm:sp3d/>
+    <dgm:txPr/>
+    <dgm:style>
+      <a:lnRef idx="2">
+        <a:scrgbClr r="0" g="0" b="0"/>
+      </a:lnRef>
+      <a:fillRef idx="1">
+        <a:scrgbClr r="0" g="0" b="0"/>
+      </a:fillRef>
+      <a:effectRef idx="0">
+        <a:scrgbClr r="0" g="0" b="0"/>
+      </a:effectRef>
+      <a:fontRef idx="minor">
+        <a:schemeClr val="lt1"/>
+      </a:fontRef>
+    </dgm:style>
+  </dgm:styleLbl>
+  <dgm:styleLbl name="node3">
+    <dgm:scene3d>
+      <a:camera prst="orthographicFront"/>
+      <a:lightRig rig="threePt" dir="t"/>
+    </dgm:scene3d>
+    <dgm:sp3d/>
+    <dgm:txPr/>
+    <dgm:style>
+      <a:lnRef idx="2">
+        <a:scrgbClr r="0" g="0" b="0"/>
+      </a:lnRef>
+      <a:fillRef idx="1">
+        <a:scrgbClr r="0" g="0" b="0"/>
+      </a:fillRef>
+      <a:effectRef idx="0">
+        <a:scrgbClr r="0" g="0" b="0"/>
+      </a:effectRef>
+      <a:fontRef idx="minor">
+        <a:schemeClr val="lt1"/>
+      </a:fontRef>
+    </dgm:style>
+  </dgm:styleLbl>
+  <dgm:styleLbl name="node4">
+    <dgm:scene3d>
+      <a:camera prst="orthographicFront"/>
+      <a:lightRig rig="threePt" dir="t"/>
+    </dgm:scene3d>
+    <dgm:sp3d/>
+    <dgm:txPr/>
+    <dgm:style>
+      <a:lnRef idx="2">
+        <a:scrgbClr r="0" g="0" b="0"/>
+      </a:lnRef>
+      <a:fillRef idx="1">
+        <a:scrgbClr r="0" g="0" b="0"/>
+      </a:fillRef>
+      <a:effectRef idx="0">
+        <a:scrgbClr r="0" g="0" b="0"/>
+      </a:effectRef>
+      <a:fontRef idx="minor">
+        <a:schemeClr val="lt1"/>
+      </a:fontRef>
+    </dgm:style>
+  </dgm:styleLbl>
+  <dgm:styleLbl name="fgImgPlace1">
+    <dgm:scene3d>
+      <a:camera prst="orthographicFront"/>
+      <a:lightRig rig="threePt" dir="t"/>
+    </dgm:scene3d>
+    <dgm:sp3d/>
+    <dgm:txPr/>
+    <dgm:style>
+      <a:lnRef idx="2">
+        <a:scrgbClr r="0" g="0" b="0"/>
+      </a:lnRef>
+      <a:fillRef idx="1">
+        <a:scrgbClr r="0" g="0" b="0"/>
+      </a:fillRef>
+      <a:effectRef idx="0">
+        <a:scrgbClr r="0" g="0" b="0"/>
+      </a:effectRef>
+      <a:fontRef idx="minor"/>
+    </dgm:style>
+  </dgm:styleLbl>
+  <dgm:styleLbl name="alignImgPlace1">
+    <dgm:scene3d>
+      <a:camera prst="orthographicFront"/>
+      <a:lightRig rig="threePt" dir="t"/>
+    </dgm:scene3d>
+    <dgm:sp3d/>
+    <dgm:txPr/>
+    <dgm:style>
+      <a:lnRef idx="2">
+        <a:scrgbClr r="0" g="0" b="0"/>
+      </a:lnRef>
+      <a:fillRef idx="1">
+        <a:scrgbClr r="0" g="0" b="0"/>
+      </a:fillRef>
+      <a:effectRef idx="0">
+        <a:scrgbClr r="0" g="0" b="0"/>
+      </a:effectRef>
+      <a:fontRef idx="minor"/>
+    </dgm:style>
+  </dgm:styleLbl>
+  <dgm:styleLbl name="bgImgPlace1">
+    <dgm:scene3d>
+      <a:camera prst="orthographicFront"/>
+      <a:lightRig rig="threePt" dir="t"/>
+    </dgm:scene3d>
+    <dgm:sp3d/>
+    <dgm:txPr/>
+    <dgm:style>
+      <a:lnRef idx="2">
+        <a:scrgbClr r="0" g="0" b="0"/>
+      </a:lnRef>
+      <a:fillRef idx="1">
+        <a:scrgbClr r="0" g="0" b="0"/>
+      </a:fillRef>
+      <a:effectRef idx="0">
+        <a:scrgbClr r="0" g="0" b="0"/>
+      </a:effectRef>
+      <a:fontRef idx="minor"/>
+    </dgm:style>
+  </dgm:styleLbl>
+  <dgm:styleLbl name="sibTrans2D1">
+    <dgm:scene3d>
+      <a:camera prst="orthographicFront"/>
+      <a:lightRig rig="threePt" dir="t"/>
+    </dgm:scene3d>
+    <dgm:sp3d/>
+    <dgm:txPr/>
+    <dgm:style>
+      <a:lnRef idx="0">
+        <a:scrgbClr r="0" g="0" b="0"/>
+      </a:lnRef>
+      <a:fillRef idx="1">
+        <a:scrgbClr r="0" g="0" b="0"/>
+      </a:fillRef>
+      <a:effectRef idx="0">
+        <a:scrgbClr r="0" g="0" b="0"/>
+      </a:effectRef>
+      <a:fontRef idx="minor">
+        <a:schemeClr val="lt1"/>
+      </a:fontRef>
+    </dgm:style>
+  </dgm:styleLbl>
+  <dgm:styleLbl name="fgSibTrans2D1">
+    <dgm:scene3d>
+      <a:camera prst="orthographicFront"/>
+      <a:lightRig rig="threePt" dir="t"/>
+    </dgm:scene3d>
+    <dgm:sp3d/>
+    <dgm:txPr/>
+    <dgm:style>
+      <a:lnRef idx="0">
+        <a:scrgbClr r="0" g="0" b="0"/>
+      </a:lnRef>
+      <a:fillRef idx="1">
+        <a:scrgbClr r="0" g="0" b="0"/>
+      </a:fillRef>
+      <a:effectRef idx="0">
+        <a:scrgbClr r="0" g="0" b="0"/>
+      </a:effectRef>
+      <a:fontRef idx="minor">
+        <a:schemeClr val="lt1"/>
+      </a:fontRef>
+    </dgm:style>
+  </dgm:styleLbl>
+  <dgm:styleLbl name="bgSibTrans2D1">
+    <dgm:scene3d>
+      <a:camera prst="orthographicFront"/>
+      <a:lightRig rig="threePt" dir="t"/>
+    </dgm:scene3d>
+    <dgm:sp3d/>
+    <dgm:txPr/>
+    <dgm:style>
+      <a:lnRef idx="0">
+        <a:scrgbClr r="0" g="0" b="0"/>
+      </a:lnRef>
+      <a:fillRef idx="1">
+        <a:scrgbClr r="0" g="0" b="0"/>
+      </a:fillRef>
+      <a:effectRef idx="0">
+        <a:scrgbClr r="0" g="0" b="0"/>
+      </a:effectRef>
+      <a:fontRef idx="minor">
+        <a:schemeClr val="lt1"/>
+      </a:fontRef>
+    </dgm:style>
+  </dgm:styleLbl>
+  <dgm:styleLbl name="sibTrans1D1">
+    <dgm:scene3d>
+      <a:camera prst="orthographicFront"/>
+      <a:lightRig rig="threePt" dir="t"/>
+    </dgm:scene3d>
+    <dgm:sp3d/>
+    <dgm:txPr/>
+    <dgm:style>
+      <a:lnRef idx="1">
+        <a:scrgbClr r="0" g="0" b="0"/>
+      </a:lnRef>
+      <a:fillRef idx="0">
+        <a:scrgbClr r="0" g="0" b="0"/>
+      </a:fillRef>
+      <a:effectRef idx="0">
+        <a:scrgbClr r="0" g="0" b="0"/>
+      </a:effectRef>
+      <a:fontRef idx="minor"/>
+    </dgm:style>
+  </dgm:styleLbl>
+  <dgm:styleLbl name="callout">
+    <dgm:scene3d>
+      <a:camera prst="orthographicFront"/>
+      <a:lightRig rig="threePt" dir="t"/>
+    </dgm:scene3d>
+    <dgm:sp3d/>
+    <dgm:txPr/>
+    <dgm:style>
+      <a:lnRef idx="2">
+        <a:scrgbClr r="0" g="0" b="0"/>
+      </a:lnRef>
+      <a:fillRef idx="1">
+        <a:scrgbClr r="0" g="0" b="0"/>
+      </a:fillRef>
+      <a:effectRef idx="0">
+        <a:scrgbClr r="0" g="0" b="0"/>
+      </a:effectRef>
+      <a:fontRef idx="minor"/>
+    </dgm:style>
+  </dgm:styleLbl>
+  <dgm:styleLbl name="asst0">
+    <dgm:scene3d>
+      <a:camera prst="orthographicFront"/>
+      <a:lightRig rig="threePt" dir="t"/>
+    </dgm:scene3d>
+    <dgm:sp3d/>
+    <dgm:txPr/>
+    <dgm:style>
+      <a:lnRef idx="2">
+        <a:scrgbClr r="0" g="0" b="0"/>
+      </a:lnRef>
+      <a:fillRef idx="1">
+        <a:scrgbClr r="0" g="0" b="0"/>
+      </a:fillRef>
+      <a:effectRef idx="0">
+        <a:scrgbClr r="0" g="0" b="0"/>
+      </a:effectRef>
+      <a:fontRef idx="minor">
+        <a:schemeClr val="lt1"/>
+      </a:fontRef>
+    </dgm:style>
+  </dgm:styleLbl>
+  <dgm:styleLbl name="asst1">
+    <dgm:scene3d>
+      <a:camera prst="orthographicFront"/>
+      <a:lightRig rig="threePt" dir="t"/>
+    </dgm:scene3d>
+    <dgm:sp3d/>
+    <dgm:txPr/>
+    <dgm:style>
+      <a:lnRef idx="2">
+        <a:scrgbClr r="0" g="0" b="0"/>
+      </a:lnRef>
+      <a:fillRef idx="1">
+        <a:scrgbClr r="0" g="0" b="0"/>
+      </a:fillRef>
+      <a:effectRef idx="0">
+        <a:scrgbClr r="0" g="0" b="0"/>
+      </a:effectRef>
+      <a:fontRef idx="minor">
+        <a:schemeClr val="lt1"/>
+      </a:fontRef>
+    </dgm:style>
+  </dgm:styleLbl>
+  <dgm:styleLbl name="asst2">
+    <dgm:scene3d>
+      <a:camera prst="orthographicFront"/>
+      <a:lightRig rig="threePt" dir="t"/>
+    </dgm:scene3d>
+    <dgm:sp3d/>
+    <dgm:txPr/>
+    <dgm:style>
+      <a:lnRef idx="2">
+        <a:scrgbClr r="0" g="0" b="0"/>
+      </a:lnRef>
+      <a:fillRef idx="1">
+        <a:scrgbClr r="0" g="0" b="0"/>
+      </a:fillRef>
+      <a:effectRef idx="0">
+        <a:scrgbClr r="0" g="0" b="0"/>
+      </a:effectRef>
+      <a:fontRef idx="minor">
+        <a:schemeClr val="lt1"/>
+      </a:fontRef>
+    </dgm:style>
+  </dgm:styleLbl>
+  <dgm:styleLbl name="asst3">
+    <dgm:scene3d>
+      <a:camera prst="orthographicFront"/>
+      <a:lightRig rig="threePt" dir="t"/>
+    </dgm:scene3d>
+    <dgm:sp3d/>
+    <dgm:txPr/>
+    <dgm:style>
+      <a:lnRef idx="2">
+        <a:scrgbClr r="0" g="0" b="0"/>
+      </a:lnRef>
+      <a:fillRef idx="1">
+        <a:scrgbClr r="0" g="0" b="0"/>
+      </a:fillRef>
+      <a:effectRef idx="0">
+        <a:scrgbClr r="0" g="0" b="0"/>
+      </a:effectRef>
+      <a:fontRef idx="minor">
+        <a:schemeClr val="lt1"/>
+      </a:fontRef>
+    </dgm:style>
+  </dgm:styleLbl>
+  <dgm:styleLbl name="asst4">
+    <dgm:scene3d>
+      <a:camera prst="orthographicFront"/>
+      <a:lightRig rig="threePt" dir="t"/>
+    </dgm:scene3d>
+    <dgm:sp3d/>
+    <dgm:txPr/>
+    <dgm:style>
+      <a:lnRef idx="2">
+        <a:scrgbClr r="0" g="0" b="0"/>
+      </a:lnRef>
+      <a:fillRef idx="1">
+        <a:scrgbClr r="0" g="0" b="0"/>
+      </a:fillRef>
+      <a:effectRef idx="0">
+        <a:scrgbClr r="0" g="0" b="0"/>
+      </a:effectRef>
+      <a:fontRef idx="minor">
+        <a:schemeClr val="lt1"/>
+      </a:fontRef>
+    </dgm:style>
+  </dgm:styleLbl>
+  <dgm:styleLbl name="parChTrans2D1">
+    <dgm:scene3d>
+      <a:camera prst="orthographicFront"/>
+      <a:lightRig rig="threePt" dir="t"/>
+    </dgm:scene3d>
+    <dgm:sp3d/>
+    <dgm:txPr/>
+    <dgm:style>
+      <a:lnRef idx="2">
+        <a:scrgbClr r="0" g="0" b="0"/>
+      </a:lnRef>
+      <a:fillRef idx="1">
+        <a:scrgbClr r="0" g="0" b="0"/>
+      </a:fillRef>
+      <a:effectRef idx="0">
+        <a:scrgbClr r="0" g="0" b="0"/>
+      </a:effectRef>
+      <a:fontRef idx="minor">
+        <a:schemeClr val="lt1"/>
+      </a:fontRef>
+    </dgm:style>
+  </dgm:styleLbl>
+  <dgm:styleLbl name="parChTrans2D2">
+    <dgm:scene3d>
+      <a:camera prst="orthographicFront"/>
+      <a:lightRig rig="threePt" dir="t"/>
+    </dgm:scene3d>
+    <dgm:sp3d/>
+    <dgm:txPr/>
+    <dgm:style>
+      <a:lnRef idx="2">
+        <a:scrgbClr r="0" g="0" b="0"/>
+      </a:lnRef>
+      <a:fillRef idx="1">
+        <a:scrgbClr r="0" g="0" b="0"/>
+      </a:fillRef>
+      <a:effectRef idx="0">
+        <a:scrgbClr r="0" g="0" b="0"/>
+      </a:effectRef>
+      <a:fontRef idx="minor">
+        <a:schemeClr val="lt1"/>
+      </a:fontRef>
+    </dgm:style>
+  </dgm:styleLbl>
+  <dgm:styleLbl name="parChTrans2D3">
+    <dgm:scene3d>
+      <a:camera prst="orthographicFront"/>
+      <a:lightRig rig="threePt" dir="t"/>
+    </dgm:scene3d>
+    <dgm:sp3d/>
+    <dgm:txPr/>
+    <dgm:style>
+      <a:lnRef idx="2">
+        <a:scrgbClr r="0" g="0" b="0"/>
+      </a:lnRef>
+      <a:fillRef idx="1">
+        <a:scrgbClr r="0" g="0" b="0"/>
+      </a:fillRef>
+      <a:effectRef idx="0">
+        <a:scrgbClr r="0" g="0" b="0"/>
+      </a:effectRef>
+      <a:fontRef idx="minor">
+        <a:schemeClr val="lt1"/>
+      </a:fontRef>
+    </dgm:style>
+  </dgm:styleLbl>
+  <dgm:styleLbl name="parChTrans2D4">
+    <dgm:scene3d>
+      <a:camera prst="orthographicFront"/>
+      <a:lightRig rig="threePt" dir="t"/>
+    </dgm:scene3d>
+    <dgm:sp3d/>
+    <dgm:txPr/>
+    <dgm:style>
+      <a:lnRef idx="2">
+        <a:scrgbClr r="0" g="0" b="0"/>
+      </a:lnRef>
+      <a:fillRef idx="1">
+        <a:scrgbClr r="0" g="0" b="0"/>
+      </a:fillRef>
+      <a:effectRef idx="0">
+        <a:scrgbClr r="0" g="0" b="0"/>
+      </a:effectRef>
+      <a:fontRef idx="minor">
+        <a:schemeClr val="lt1"/>
+      </a:fontRef>
+    </dgm:style>
+  </dgm:styleLbl>
+  <dgm:styleLbl name="parChTrans1D1">
+    <dgm:scene3d>
+      <a:camera prst="orthographicFront"/>
+      <a:lightRig rig="threePt" dir="t"/>
+    </dgm:scene3d>
+    <dgm:sp3d/>
+    <dgm:txPr/>
+    <dgm:style>
+      <a:lnRef idx="2">
+        <a:scrgbClr r="0" g="0" b="0"/>
+      </a:lnRef>
+      <a:fillRef idx="0">
+        <a:scrgbClr r="0" g="0" b="0"/>
+      </a:fillRef>
+      <a:effectRef idx="0">
+        <a:scrgbClr r="0" g="0" b="0"/>
+      </a:effectRef>
+      <a:fontRef idx="minor"/>
+    </dgm:style>
+  </dgm:styleLbl>
+  <dgm:styleLbl name="parChTrans1D2">
+    <dgm:scene3d>
+      <a:camera prst="orthographicFront"/>
+      <a:lightRig rig="threePt" dir="t"/>
+    </dgm:scene3d>
+    <dgm:sp3d/>
+    <dgm:txPr/>
+    <dgm:style>
+      <a:lnRef idx="2">
+        <a:scrgbClr r="0" g="0" b="0"/>
+      </a:lnRef>
+      <a:fillRef idx="0">
+        <a:scrgbClr r="0" g="0" b="0"/>
+      </a:fillRef>
+      <a:effectRef idx="0">
+        <a:scrgbClr r="0" g="0" b="0"/>
+      </a:effectRef>
+      <a:fontRef idx="minor"/>
+    </dgm:style>
+  </dgm:styleLbl>
+  <dgm:styleLbl name="parChTrans1D3">
+    <dgm:scene3d>
+      <a:camera prst="orthographicFront"/>
+      <a:lightRig rig="threePt" dir="t"/>
+    </dgm:scene3d>
+    <dgm:sp3d/>
+    <dgm:txPr/>
+    <dgm:style>
+      <a:lnRef idx="2">
+        <a:scrgbClr r="0" g="0" b="0"/>
+      </a:lnRef>
+      <a:fillRef idx="0">
+        <a:scrgbClr r="0" g="0" b="0"/>
+      </a:fillRef>
+      <a:effectRef idx="0">
+        <a:scrgbClr r="0" g="0" b="0"/>
+      </a:effectRef>
+      <a:fontRef idx="minor"/>
+    </dgm:style>
+  </dgm:styleLbl>
+  <dgm:styleLbl name="parChTrans1D4">
+    <dgm:scene3d>
+      <a:camera prst="orthographicFront"/>
+      <a:lightRig rig="threePt" dir="t"/>
+    </dgm:scene3d>
+    <dgm:sp3d/>
+    <dgm:txPr/>
+    <dgm:style>
+      <a:lnRef idx="2">
+        <a:scrgbClr r="0" g="0" b="0"/>
+      </a:lnRef>
+      <a:fillRef idx="0">
+        <a:scrgbClr r="0" g="0" b="0"/>
+      </a:fillRef>
+      <a:effectRef idx="0">
+        <a:scrgbClr r="0" g="0" b="0"/>
+      </a:effectRef>
+      <a:fontRef idx="minor"/>
+    </dgm:style>
+  </dgm:styleLbl>
+  <dgm:styleLbl name="fgAcc1">
+    <dgm:scene3d>
+      <a:camera prst="orthographicFront"/>
+      <a:lightRig rig="threePt" dir="t"/>
+    </dgm:scene3d>
+    <dgm:sp3d/>
+    <dgm:txPr/>
+    <dgm:style>
+      <a:lnRef idx="2">
+        <a:scrgbClr r="0" g="0" b="0"/>
+      </a:lnRef>
+      <a:fillRef idx="1">
+        <a:scrgbClr r="0" g="0" b="0"/>
+      </a:fillRef>
+      <a:effectRef idx="0">
+        <a:scrgbClr r="0" g="0" b="0"/>
+      </a:effectRef>
+      <a:fontRef idx="minor"/>
+    </dgm:style>
+  </dgm:styleLbl>
+  <dgm:styleLbl name="conFgAcc1">
+    <dgm:scene3d>
+      <a:camera prst="orthographicFront"/>
+      <a:lightRig rig="threePt" dir="t"/>
+    </dgm:scene3d>
+    <dgm:sp3d/>
+    <dgm:txPr/>
+    <dgm:style>
+      <a:lnRef idx="2">
+        <a:scrgbClr r="0" g="0" b="0"/>
+      </a:lnRef>
+      <a:fillRef idx="1">
+        <a:scrgbClr r="0" g="0" b="0"/>
+      </a:fillRef>
+      <a:effectRef idx="0">
+        <a:scrgbClr r="0" g="0" b="0"/>
+      </a:effectRef>
+      <a:fontRef idx="minor"/>
+    </dgm:style>
+  </dgm:styleLbl>
+  <dgm:styleLbl name="alignAcc1">
+    <dgm:scene3d>
+      <a:camera prst="orthographicFront"/>
+      <a:lightRig rig="threePt" dir="t"/>
+    </dgm:scene3d>
+    <dgm:sp3d/>
+    <dgm:txPr/>
+    <dgm:style>
+      <a:lnRef idx="2">
+        <a:scrgbClr r="0" g="0" b="0"/>
+      </a:lnRef>
+      <a:fillRef idx="1">
+        <a:scrgbClr r="0" g="0" b="0"/>
+      </a:fillRef>
+      <a:effectRef idx="0">
+        <a:scrgbClr r="0" g="0" b="0"/>
+      </a:effectRef>
+      <a:fontRef idx="minor"/>
+    </dgm:style>
+  </dgm:styleLbl>
+  <dgm:styleLbl name="trAlignAcc1">
+    <dgm:scene3d>
+      <a:camera prst="orthographicFront"/>
+      <a:lightRig rig="threePt" dir="t"/>
+    </dgm:scene3d>
+    <dgm:sp3d/>
+    <dgm:txPr/>
+    <dgm:style>
+      <a:lnRef idx="1">
+        <a:scrgbClr r="0" g="0" b="0"/>
+      </a:lnRef>
+      <a:fillRef idx="1">
+        <a:scrgbClr r="0" g="0" b="0"/>
+      </a:fillRef>
+      <a:effectRef idx="0">
+        <a:scrgbClr r="0" g="0" b="0"/>
+      </a:effectRef>
+      <a:fontRef idx="minor"/>
+    </dgm:style>
+  </dgm:styleLbl>
+  <dgm:styleLbl name="bgAcc1">
+    <dgm:scene3d>
+      <a:camera prst="orthographicFront"/>
+      <a:lightRig rig="threePt" dir="t"/>
+    </dgm:scene3d>
+    <dgm:sp3d/>
+    <dgm:txPr/>
+    <dgm:style>
+      <a:lnRef idx="2">
+        <a:scrgbClr r="0" g="0" b="0"/>
+      </a:lnRef>
+      <a:fillRef idx="1">
+        <a:scrgbClr r="0" g="0" b="0"/>
+      </a:fillRef>
+      <a:effectRef idx="0">
+        <a:scrgbClr r="0" g="0" b="0"/>
+      </a:effectRef>
+      <a:fontRef idx="minor"/>
+    </dgm:style>
+  </dgm:styleLbl>
+  <dgm:styleLbl name="solidFgAcc1">
+    <dgm:scene3d>
+      <a:camera prst="orthographicFront"/>
+      <a:lightRig rig="threePt" dir="t"/>
+    </dgm:scene3d>
+    <dgm:sp3d/>
+    <dgm:txPr/>
+    <dgm:style>
+      <a:lnRef idx="2">
+        <a:scrgbClr r="0" g="0" b="0"/>
+      </a:lnRef>
+      <a:fillRef idx="1">
+        <a:scrgbClr r="0" g="0" b="0"/>
+      </a:fillRef>
+      <a:effectRef idx="0">
+        <a:scrgbClr r="0" g="0" b="0"/>
+      </a:effectRef>
+      <a:fontRef idx="minor"/>
+    </dgm:style>
+  </dgm:styleLbl>
+  <dgm:styleLbl name="solidAlignAcc1">
+    <dgm:scene3d>
+      <a:camera prst="orthographicFront"/>
+      <a:lightRig rig="threePt" dir="t"/>
+    </dgm:scene3d>
+    <dgm:sp3d/>
+    <dgm:txPr/>
+    <dgm:style>
+      <a:lnRef idx="2">
+        <a:scrgbClr r="0" g="0" b="0"/>
+      </a:lnRef>
+      <a:fillRef idx="1">
+        <a:scrgbClr r="0" g="0" b="0"/>
+      </a:fillRef>
+      <a:effectRef idx="0">
+        <a:scrgbClr r="0" g="0" b="0"/>
+      </a:effectRef>
+      <a:fontRef idx="minor"/>
+    </dgm:style>
+  </dgm:styleLbl>
+  <dgm:styleLbl name="solidBgAcc1">
+    <dgm:scene3d>
+      <a:camera prst="orthographicFront"/>
+      <a:lightRig rig="threePt" dir="t"/>
+    </dgm:scene3d>
+    <dgm:sp3d/>
+    <dgm:txPr/>
+    <dgm:style>
+      <a:lnRef idx="2">
+        <a:scrgbClr r="0" g="0" b="0"/>
+      </a:lnRef>
+      <a:fillRef idx="1">
+        <a:scrgbClr r="0" g="0" b="0"/>
+      </a:fillRef>
+      <a:effectRef idx="0">
+        <a:scrgbClr r="0" g="0" b="0"/>
+      </a:effectRef>
+      <a:fontRef idx="minor"/>
+    </dgm:style>
+  </dgm:styleLbl>
+  <dgm:styleLbl name="fgAccFollowNode1">
+    <dgm:scene3d>
+      <a:camera prst="orthographicFront"/>
+      <a:lightRig rig="threePt" dir="t"/>
+    </dgm:scene3d>
+    <dgm:sp3d/>
+    <dgm:txPr/>
+    <dgm:style>
+      <a:lnRef idx="2">
+        <a:scrgbClr r="0" g="0" b="0"/>
+      </a:lnRef>
+      <a:fillRef idx="1">
+        <a:scrgbClr r="0" g="0" b="0"/>
+      </a:fillRef>
+      <a:effectRef idx="0">
+        <a:scrgbClr r="0" g="0" b="0"/>
+      </a:effectRef>
+      <a:fontRef idx="minor"/>
+    </dgm:style>
+  </dgm:styleLbl>
+  <dgm:styleLbl name="alignAccFollowNode1">
+    <dgm:scene3d>
+      <a:camera prst="orthographicFront"/>
+      <a:lightRig rig="threePt" dir="t"/>
+    </dgm:scene3d>
+    <dgm:sp3d/>
+    <dgm:txPr/>
+    <dgm:style>
+      <a:lnRef idx="2">
+        <a:scrgbClr r="0" g="0" b="0"/>
+      </a:lnRef>
+      <a:fillRef idx="1">
+        <a:scrgbClr r="0" g="0" b="0"/>
+      </a:fillRef>
+      <a:effectRef idx="0">
+        <a:scrgbClr r="0" g="0" b="0"/>
+      </a:effectRef>
+      <a:fontRef idx="minor"/>
+    </dgm:style>
+  </dgm:styleLbl>
+  <dgm:styleLbl name="bgAccFollowNode1">
+    <dgm:scene3d>
+      <a:camera prst="orthographicFront"/>
+      <a:lightRig rig="threePt" dir="t"/>
+    </dgm:scene3d>
+    <dgm:sp3d/>
+    <dgm:txPr/>
+    <dgm:style>
+      <a:lnRef idx="2">
+        <a:scrgbClr r="0" g="0" b="0"/>
+      </a:lnRef>
+      <a:fillRef idx="1">
+        <a:scrgbClr r="0" g="0" b="0"/>
+      </a:fillRef>
+      <a:effectRef idx="0">
+        <a:scrgbClr r="0" g="0" b="0"/>
+      </a:effectRef>
+      <a:fontRef idx="minor"/>
+    </dgm:style>
+  </dgm:styleLbl>
+  <dgm:styleLbl name="fgAcc0">
+    <dgm:scene3d>
+      <a:camera prst="orthographicFront"/>
+      <a:lightRig rig="threePt" dir="t"/>
+    </dgm:scene3d>
+    <dgm:sp3d/>
+    <dgm:txPr/>
+    <dgm:style>
+      <a:lnRef idx="2">
+        <a:scrgbClr r="0" g="0" b="0"/>
+      </a:lnRef>
+      <a:fillRef idx="1">
+        <a:scrgbClr r="0" g="0" b="0"/>
+      </a:fillRef>
+      <a:effectRef idx="0">
+        <a:scrgbClr r="0" g="0" b="0"/>
+      </a:effectRef>
+      <a:fontRef idx="minor"/>
+    </dgm:style>
+  </dgm:styleLbl>
+  <dgm:styleLbl name="fgAcc2">
+    <dgm:scene3d>
+      <a:camera prst="orthographicFront"/>
+      <a:lightRig rig="threePt" dir="t"/>
+    </dgm:scene3d>
+    <dgm:sp3d/>
+    <dgm:txPr/>
+    <dgm:style>
+      <a:lnRef idx="2">
+        <a:scrgbClr r="0" g="0" b="0"/>
+      </a:lnRef>
+      <a:fillRef idx="1">
+        <a:scrgbClr r="0" g="0" b="0"/>
+      </a:fillRef>
+      <a:effectRef idx="0">
+        <a:scrgbClr r="0" g="0" b="0"/>
+      </a:effectRef>
+      <a:fontRef idx="minor"/>
+    </dgm:style>
+  </dgm:styleLbl>
+  <dgm:styleLbl name="fgAcc3">
+    <dgm:scene3d>
+      <a:camera prst="orthographicFront"/>
+      <a:lightRig rig="threePt" dir="t"/>
+    </dgm:scene3d>
+    <dgm:sp3d/>
+    <dgm:txPr/>
+    <dgm:style>
+      <a:lnRef idx="2">
+        <a:scrgbClr r="0" g="0" b="0"/>
+      </a:lnRef>
+      <a:fillRef idx="1">
+        <a:scrgbClr r="0" g="0" b="0"/>
+      </a:fillRef>
+      <a:effectRef idx="0">
+        <a:scrgbClr r="0" g="0" b="0"/>
+      </a:effectRef>
+      <a:fontRef idx="minor"/>
+    </dgm:style>
+  </dgm:styleLbl>
+  <dgm:styleLbl name="fgAcc4">
+    <dgm:scene3d>
+      <a:camera prst="orthographicFront"/>
+      <a:lightRig rig="threePt" dir="t"/>
+    </dgm:scene3d>
+    <dgm:sp3d/>
+    <dgm:txPr/>
+    <dgm:style>
+      <a:lnRef idx="2">
+        <a:scrgbClr r="0" g="0" b="0"/>
+      </a:lnRef>
+      <a:fillRef idx="1">
+        <a:scrgbClr r="0" g="0" b="0"/>
+      </a:fillRef>
+      <a:effectRef idx="0">
+        <a:scrgbClr r="0" g="0" b="0"/>
+      </a:effectRef>
+      <a:fontRef idx="minor"/>
+    </dgm:style>
+  </dgm:styleLbl>
+  <dgm:styleLbl name="bgShp">
+    <dgm:scene3d>
+      <a:camera prst="orthographicFront"/>
+      <a:lightRig rig="threePt" dir="t"/>
+    </dgm:scene3d>
+    <dgm:sp3d/>
+    <dgm:txPr/>
+    <dgm:style>
+      <a:lnRef idx="0">
+        <a:scrgbClr r="0" g="0" b="0"/>
+      </a:lnRef>
+      <a:fillRef idx="1">
+        <a:scrgbClr r="0" g="0" b="0"/>
+      </a:fillRef>
+      <a:effectRef idx="0">
+        <a:scrgbClr r="0" g="0" b="0"/>
+      </a:effectRef>
+      <a:fontRef idx="minor"/>
+    </dgm:style>
+  </dgm:styleLbl>
+  <dgm:styleLbl name="dkBgShp">
+    <dgm:scene3d>
+      <a:camera prst="orthographicFront"/>
+      <a:lightRig rig="threePt" dir="t"/>
+    </dgm:scene3d>
+    <dgm:sp3d/>
+    <dgm:txPr/>
+    <dgm:style>
+      <a:lnRef idx="0">
+        <a:scrgbClr r="0" g="0" b="0"/>
+      </a:lnRef>
+      <a:fillRef idx="1">
+        <a:scrgbClr r="0" g="0" b="0"/>
+      </a:fillRef>
+      <a:effectRef idx="0">
+        <a:scrgbClr r="0" g="0" b="0"/>
+      </a:effectRef>
+      <a:fontRef idx="minor"/>
+    </dgm:style>
+  </dgm:styleLbl>
+  <dgm:styleLbl name="trBgShp">
+    <dgm:scene3d>
+      <a:camera prst="orthographicFront"/>
+      <a:lightRig rig="threePt" dir="t"/>
+    </dgm:scene3d>
+    <dgm:sp3d/>
+    <dgm:txPr/>
+    <dgm:style>
+      <a:lnRef idx="0">
+        <a:scrgbClr r="0" g="0" b="0"/>
+      </a:lnRef>
+      <a:fillRef idx="1">
+        <a:scrgbClr r="0" g="0" b="0"/>
+      </a:fillRef>
+      <a:effectRef idx="0">
+        <a:scrgbClr r="0" g="0" b="0"/>
+      </a:effectRef>
+      <a:fontRef idx="minor"/>
+    </dgm:style>
+  </dgm:styleLbl>
+  <dgm:styleLbl name="fgShp">
+    <dgm:scene3d>
+      <a:camera prst="orthographicFront"/>
+      <a:lightRig rig="threePt" dir="t"/>
+    </dgm:scene3d>
+    <dgm:sp3d/>
+    <dgm:txPr/>
+    <dgm:style>
+      <a:lnRef idx="2">
+        <a:scrgbClr r="0" g="0" b="0"/>
+      </a:lnRef>
+      <a:fillRef idx="1">
+        <a:scrgbClr r="0" g="0" b="0"/>
+      </a:fillRef>
+      <a:effectRef idx="0">
+        <a:scrgbClr r="0" g="0" b="0"/>
+      </a:effectRef>
+      <a:fontRef idx="minor"/>
+    </dgm:style>
+  </dgm:styleLbl>
+  <dgm:styleLbl name="revTx">
+    <dgm:scene3d>
+      <a:camera prst="orthographicFront"/>
+      <a:lightRig rig="threePt" dir="t"/>
+    </dgm:scene3d>
+    <dgm:sp3d/>
+    <dgm:txPr/>
+    <dgm:style>
+      <a:lnRef idx="0">
+        <a:scrgbClr r="0" g="0" b="0"/>
+      </a:lnRef>
+      <a:fillRef idx="0">
+        <a:scrgbClr r="0" g="0" b="0"/>
+      </a:fillRef>
+      <a:effectRef idx="0">
+        <a:scrgbClr r="0" g="0" b="0"/>
+      </a:effectRef>
+      <a:fontRef idx="minor"/>
+    </dgm:style>
+  </dgm:styleLbl>
+</dgm:styleDef>
 </file>
 
 <file path=ppt/slideLayouts/slideLayout1.xml><?xml version="1.0" encoding="utf-8"?>
@@ -257,7 +2693,7 @@
           <a:p>
             <a:fld id="{8EF3E99E-5285-486A-8529-1CC26CB16FC9}" type="datetimeFigureOut">
               <a:rPr lang="en-AU" smtClean="0"/>
-              <a:t>12/11/2020</a:t>
+              <a:t>13/11/2020</a:t>
             </a:fld>
             <a:endParaRPr lang="en-AU"/>
           </a:p>
@@ -457,7 +2893,7 @@
           <a:p>
             <a:fld id="{8EF3E99E-5285-486A-8529-1CC26CB16FC9}" type="datetimeFigureOut">
               <a:rPr lang="en-AU" smtClean="0"/>
-              <a:t>12/11/2020</a:t>
+              <a:t>13/11/2020</a:t>
             </a:fld>
             <a:endParaRPr lang="en-AU"/>
           </a:p>
@@ -667,7 +3103,7 @@
           <a:p>
             <a:fld id="{8EF3E99E-5285-486A-8529-1CC26CB16FC9}" type="datetimeFigureOut">
               <a:rPr lang="en-AU" smtClean="0"/>
-              <a:t>12/11/2020</a:t>
+              <a:t>13/11/2020</a:t>
             </a:fld>
             <a:endParaRPr lang="en-AU"/>
           </a:p>
@@ -867,7 +3303,7 @@
           <a:p>
             <a:fld id="{8EF3E99E-5285-486A-8529-1CC26CB16FC9}" type="datetimeFigureOut">
               <a:rPr lang="en-AU" smtClean="0"/>
-              <a:t>12/11/2020</a:t>
+              <a:t>13/11/2020</a:t>
             </a:fld>
             <a:endParaRPr lang="en-AU"/>
           </a:p>
@@ -1143,7 +3579,7 @@
           <a:p>
             <a:fld id="{8EF3E99E-5285-486A-8529-1CC26CB16FC9}" type="datetimeFigureOut">
               <a:rPr lang="en-AU" smtClean="0"/>
-              <a:t>12/11/2020</a:t>
+              <a:t>13/11/2020</a:t>
             </a:fld>
             <a:endParaRPr lang="en-AU"/>
           </a:p>
@@ -1411,7 +3847,7 @@
           <a:p>
             <a:fld id="{8EF3E99E-5285-486A-8529-1CC26CB16FC9}" type="datetimeFigureOut">
               <a:rPr lang="en-AU" smtClean="0"/>
-              <a:t>12/11/2020</a:t>
+              <a:t>13/11/2020</a:t>
             </a:fld>
             <a:endParaRPr lang="en-AU"/>
           </a:p>
@@ -1826,7 +4262,7 @@
           <a:p>
             <a:fld id="{8EF3E99E-5285-486A-8529-1CC26CB16FC9}" type="datetimeFigureOut">
               <a:rPr lang="en-AU" smtClean="0"/>
-              <a:t>12/11/2020</a:t>
+              <a:t>13/11/2020</a:t>
             </a:fld>
             <a:endParaRPr lang="en-AU"/>
           </a:p>
@@ -1968,7 +4404,7 @@
           <a:p>
             <a:fld id="{8EF3E99E-5285-486A-8529-1CC26CB16FC9}" type="datetimeFigureOut">
               <a:rPr lang="en-AU" smtClean="0"/>
-              <a:t>12/11/2020</a:t>
+              <a:t>13/11/2020</a:t>
             </a:fld>
             <a:endParaRPr lang="en-AU"/>
           </a:p>
@@ -2081,7 +4517,7 @@
           <a:p>
             <a:fld id="{8EF3E99E-5285-486A-8529-1CC26CB16FC9}" type="datetimeFigureOut">
               <a:rPr lang="en-AU" smtClean="0"/>
-              <a:t>12/11/2020</a:t>
+              <a:t>13/11/2020</a:t>
             </a:fld>
             <a:endParaRPr lang="en-AU"/>
           </a:p>
@@ -2394,7 +4830,7 @@
           <a:p>
             <a:fld id="{8EF3E99E-5285-486A-8529-1CC26CB16FC9}" type="datetimeFigureOut">
               <a:rPr lang="en-AU" smtClean="0"/>
-              <a:t>12/11/2020</a:t>
+              <a:t>13/11/2020</a:t>
             </a:fld>
             <a:endParaRPr lang="en-AU"/>
           </a:p>
@@ -2683,7 +5119,7 @@
           <a:p>
             <a:fld id="{8EF3E99E-5285-486A-8529-1CC26CB16FC9}" type="datetimeFigureOut">
               <a:rPr lang="en-AU" smtClean="0"/>
-              <a:t>12/11/2020</a:t>
+              <a:t>13/11/2020</a:t>
             </a:fld>
             <a:endParaRPr lang="en-AU"/>
           </a:p>
@@ -2926,7 +5362,7 @@
           <a:p>
             <a:fld id="{8EF3E99E-5285-486A-8529-1CC26CB16FC9}" type="datetimeFigureOut">
               <a:rPr lang="en-AU" smtClean="0"/>
-              <a:t>12/11/2020</a:t>
+              <a:t>13/11/2020</a:t>
             </a:fld>
             <a:endParaRPr lang="en-AU"/>
           </a:p>
@@ -3691,7 +6127,7 @@
           <a:p>
             <a:r>
               <a:rPr lang="en-AU" dirty="0"/>
-              <a:t>Development </a:t>
+              <a:t>Development Purpose </a:t>
             </a:r>
           </a:p>
         </p:txBody>
@@ -3712,12 +6148,37 @@
             <p:ph idx="1"/>
           </p:nvPr>
         </p:nvSpPr>
-        <p:spPr/>
+        <p:spPr>
+          <a:xfrm>
+            <a:off x="838200" y="1825625"/>
+            <a:ext cx="7471611" cy="4351338"/>
+          </a:xfrm>
+        </p:spPr>
         <p:txBody>
           <a:bodyPr/>
           <a:lstStyle/>
           <a:p>
-            <a:endParaRPr lang="en-AU"/>
+            <a:r>
+              <a:rPr lang="en-AU" dirty="0"/>
+              <a:t>Present technical skills and project experience to potential employers.</a:t>
+            </a:r>
+          </a:p>
+          <a:p>
+            <a:pPr marL="0" indent="0">
+              <a:buNone/>
+            </a:pPr>
+            <a:endParaRPr lang="en-AU" dirty="0"/>
+          </a:p>
+          <a:p>
+            <a:r>
+              <a:rPr lang="en-AU" dirty="0"/>
+              <a:t>Convenient and one-stop access to resume, LinkedIn and </a:t>
+            </a:r>
+            <a:r>
+              <a:rPr lang="en-AU" dirty="0" err="1"/>
+              <a:t>Github</a:t>
+            </a:r>
+            <a:endParaRPr lang="en-AU" dirty="0"/>
           </a:p>
         </p:txBody>
       </p:sp>
@@ -3725,6 +6186,1125 @@
     <p:extLst>
       <p:ext uri="{BB962C8B-B14F-4D97-AF65-F5344CB8AC3E}">
         <p14:creationId xmlns:p14="http://schemas.microsoft.com/office/powerpoint/2010/main" val="1955594714"/>
+      </p:ext>
+    </p:extLst>
+  </p:cSld>
+  <p:clrMapOvr>
+    <a:masterClrMapping/>
+  </p:clrMapOvr>
+</p:sld>
+</file>
+
+<file path=ppt/slides/slide3.xml><?xml version="1.0" encoding="utf-8"?>
+<p:sld xmlns:a="http://schemas.openxmlformats.org/drawingml/2006/main" xmlns:r="http://schemas.openxmlformats.org/officeDocument/2006/relationships" xmlns:p="http://schemas.openxmlformats.org/presentationml/2006/main">
+  <p:cSld>
+    <p:spTree>
+      <p:nvGrpSpPr>
+        <p:cNvPr id="1" name=""/>
+        <p:cNvGrpSpPr/>
+        <p:nvPr/>
+      </p:nvGrpSpPr>
+      <p:grpSpPr>
+        <a:xfrm>
+          <a:off x="0" y="0"/>
+          <a:ext cx="0" cy="0"/>
+          <a:chOff x="0" y="0"/>
+          <a:chExt cx="0" cy="0"/>
+        </a:xfrm>
+      </p:grpSpPr>
+      <p:sp>
+        <p:nvSpPr>
+          <p:cNvPr id="2" name="Title 1">
+            <a:extLst>
+              <a:ext uri="{FF2B5EF4-FFF2-40B4-BE49-F238E27FC236}">
+                <a16:creationId xmlns:a16="http://schemas.microsoft.com/office/drawing/2014/main" id="{2478FD7A-4396-44D6-AD94-DCB4B2150491}"/>
+              </a:ext>
+            </a:extLst>
+          </p:cNvPr>
+          <p:cNvSpPr>
+            <a:spLocks noGrp="1"/>
+          </p:cNvSpPr>
+          <p:nvPr>
+            <p:ph type="title"/>
+          </p:nvPr>
+        </p:nvSpPr>
+        <p:spPr/>
+        <p:txBody>
+          <a:bodyPr/>
+          <a:lstStyle/>
+          <a:p>
+            <a:r>
+              <a:rPr lang="en-AU" dirty="0"/>
+              <a:t>Target Audiences</a:t>
+            </a:r>
+          </a:p>
+        </p:txBody>
+      </p:sp>
+      <p:sp>
+        <p:nvSpPr>
+          <p:cNvPr id="3" name="Content Placeholder 2">
+            <a:extLst>
+              <a:ext uri="{FF2B5EF4-FFF2-40B4-BE49-F238E27FC236}">
+                <a16:creationId xmlns:a16="http://schemas.microsoft.com/office/drawing/2014/main" id="{C3C60398-8CEF-426F-A45C-6D3332E62AC5}"/>
+              </a:ext>
+            </a:extLst>
+          </p:cNvPr>
+          <p:cNvSpPr>
+            <a:spLocks noGrp="1"/>
+          </p:cNvSpPr>
+          <p:nvPr>
+            <p:ph idx="1"/>
+          </p:nvPr>
+        </p:nvSpPr>
+        <p:spPr>
+          <a:xfrm>
+            <a:off x="838200" y="1825625"/>
+            <a:ext cx="5723021" cy="4351338"/>
+          </a:xfrm>
+        </p:spPr>
+        <p:txBody>
+          <a:bodyPr/>
+          <a:lstStyle/>
+          <a:p>
+            <a:r>
+              <a:rPr lang="en-AU" dirty="0"/>
+              <a:t>Industrial Employers</a:t>
+            </a:r>
+          </a:p>
+          <a:p>
+            <a:r>
+              <a:rPr lang="en-AU" dirty="0"/>
+              <a:t>LinkedIn Connections</a:t>
+            </a:r>
+          </a:p>
+          <a:p>
+            <a:r>
+              <a:rPr lang="en-AU" dirty="0"/>
+              <a:t>Other Networking Connections</a:t>
+            </a:r>
+          </a:p>
+          <a:p>
+            <a:endParaRPr lang="en-AU" dirty="0"/>
+          </a:p>
+        </p:txBody>
+      </p:sp>
+    </p:spTree>
+    <p:extLst>
+      <p:ext uri="{BB962C8B-B14F-4D97-AF65-F5344CB8AC3E}">
+        <p14:creationId xmlns:p14="http://schemas.microsoft.com/office/powerpoint/2010/main" val="69069239"/>
+      </p:ext>
+    </p:extLst>
+  </p:cSld>
+  <p:clrMapOvr>
+    <a:masterClrMapping/>
+  </p:clrMapOvr>
+</p:sld>
+</file>
+
+<file path=ppt/slides/slide4.xml><?xml version="1.0" encoding="utf-8"?>
+<p:sld xmlns:a="http://schemas.openxmlformats.org/drawingml/2006/main" xmlns:r="http://schemas.openxmlformats.org/officeDocument/2006/relationships" xmlns:p="http://schemas.openxmlformats.org/presentationml/2006/main">
+  <p:cSld>
+    <p:bg>
+      <p:bgPr>
+        <a:solidFill>
+          <a:schemeClr val="bg1"/>
+        </a:solidFill>
+        <a:effectLst/>
+      </p:bgPr>
+    </p:bg>
+    <p:spTree>
+      <p:nvGrpSpPr>
+        <p:cNvPr id="1" name=""/>
+        <p:cNvGrpSpPr/>
+        <p:nvPr/>
+      </p:nvGrpSpPr>
+      <p:grpSpPr>
+        <a:xfrm>
+          <a:off x="0" y="0"/>
+          <a:ext cx="0" cy="0"/>
+          <a:chOff x="0" y="0"/>
+          <a:chExt cx="0" cy="0"/>
+        </a:xfrm>
+      </p:grpSpPr>
+      <p:sp useBgFill="1">
+        <p:nvSpPr>
+          <p:cNvPr id="15" name="Rectangle 14">
+            <a:extLst>
+              <a:ext uri="{FF2B5EF4-FFF2-40B4-BE49-F238E27FC236}">
+                <a16:creationId xmlns:a16="http://schemas.microsoft.com/office/drawing/2014/main" id="{3EEB8ED6-9142-4A11-B029-18DDE98C4952}"/>
+              </a:ext>
+              <a:ext uri="{C183D7F6-B498-43B3-948B-1728B52AA6E4}">
+                <adec:decorative xmlns:adec="http://schemas.microsoft.com/office/drawing/2017/decorative" val="1"/>
+              </a:ext>
+            </a:extLst>
+          </p:cNvPr>
+          <p:cNvSpPr>
+            <a:spLocks noGrp="1" noRot="1" noChangeAspect="1" noMove="1" noResize="1" noEditPoints="1" noAdjustHandles="1" noChangeArrowheads="1" noChangeShapeType="1" noTextEdit="1"/>
+          </p:cNvSpPr>
+          <p:nvPr>
+            <p:extLst>
+              <p:ext uri="{386F3935-93C4-4BCD-93E2-E3B085C9AB24}">
+                <p16:designElem xmlns:p16="http://schemas.microsoft.com/office/powerpoint/2015/main" val="1"/>
+              </p:ext>
+            </p:extLst>
+          </p:nvPr>
+        </p:nvSpPr>
+        <p:spPr>
+          <a:xfrm>
+            <a:off x="-1" y="0"/>
+            <a:ext cx="12188952" cy="6858000"/>
+          </a:xfrm>
+          <a:prstGeom prst="rect">
+            <a:avLst/>
+          </a:prstGeom>
+          <a:ln>
+            <a:noFill/>
+          </a:ln>
+        </p:spPr>
+        <p:style>
+          <a:lnRef idx="2">
+            <a:schemeClr val="accent1">
+              <a:shade val="50000"/>
+            </a:schemeClr>
+          </a:lnRef>
+          <a:fillRef idx="1">
+            <a:schemeClr val="accent1"/>
+          </a:fillRef>
+          <a:effectRef idx="0">
+            <a:schemeClr val="accent1"/>
+          </a:effectRef>
+          <a:fontRef idx="minor">
+            <a:schemeClr val="lt1"/>
+          </a:fontRef>
+        </p:style>
+        <p:txBody>
+          <a:bodyPr rtlCol="0" anchor="ctr"/>
+          <a:lstStyle/>
+          <a:p>
+            <a:pPr algn="ctr"/>
+            <a:endParaRPr lang="en-US"/>
+          </a:p>
+        </p:txBody>
+      </p:sp>
+      <p:sp>
+        <p:nvSpPr>
+          <p:cNvPr id="2" name="Title 1">
+            <a:extLst>
+              <a:ext uri="{FF2B5EF4-FFF2-40B4-BE49-F238E27FC236}">
+                <a16:creationId xmlns:a16="http://schemas.microsoft.com/office/drawing/2014/main" id="{AEC14355-8D76-4B34-8AAD-749345A18F31}"/>
+              </a:ext>
+            </a:extLst>
+          </p:cNvPr>
+          <p:cNvSpPr>
+            <a:spLocks noGrp="1"/>
+          </p:cNvSpPr>
+          <p:nvPr>
+            <p:ph type="title"/>
+          </p:nvPr>
+        </p:nvSpPr>
+        <p:spPr>
+          <a:xfrm>
+            <a:off x="838200" y="365126"/>
+            <a:ext cx="10515600" cy="1288784"/>
+          </a:xfrm>
+        </p:spPr>
+        <p:txBody>
+          <a:bodyPr>
+            <a:normAutofit/>
+          </a:bodyPr>
+          <a:lstStyle/>
+          <a:p>
+            <a:r>
+              <a:rPr lang="en-AU" sz="4000"/>
+              <a:t>Sitemap</a:t>
+            </a:r>
+          </a:p>
+        </p:txBody>
+      </p:sp>
+      <p:sp>
+        <p:nvSpPr>
+          <p:cNvPr id="3" name="Content Placeholder 2">
+            <a:extLst>
+              <a:ext uri="{FF2B5EF4-FFF2-40B4-BE49-F238E27FC236}">
+                <a16:creationId xmlns:a16="http://schemas.microsoft.com/office/drawing/2014/main" id="{F3422118-D4AF-4EFD-BB0B-ECDAFEFDD024}"/>
+              </a:ext>
+            </a:extLst>
+          </p:cNvPr>
+          <p:cNvSpPr>
+            <a:spLocks noGrp="1"/>
+          </p:cNvSpPr>
+          <p:nvPr>
+            <p:ph idx="1"/>
+          </p:nvPr>
+        </p:nvSpPr>
+        <p:spPr>
+          <a:xfrm>
+            <a:off x="7552944" y="1825625"/>
+            <a:ext cx="3800856" cy="4303464"/>
+          </a:xfrm>
+        </p:spPr>
+        <p:txBody>
+          <a:bodyPr>
+            <a:normAutofit/>
+          </a:bodyPr>
+          <a:lstStyle/>
+          <a:p>
+            <a:pPr marL="0" indent="0">
+              <a:buNone/>
+            </a:pPr>
+            <a:r>
+              <a:rPr lang="en-AU" sz="2000"/>
+              <a:t>    </a:t>
+            </a:r>
+          </a:p>
+        </p:txBody>
+      </p:sp>
+      <p:pic>
+        <p:nvPicPr>
+          <p:cNvPr id="9" name="Picture 8">
+            <a:extLst>
+              <a:ext uri="{FF2B5EF4-FFF2-40B4-BE49-F238E27FC236}">
+                <a16:creationId xmlns:a16="http://schemas.microsoft.com/office/drawing/2014/main" id="{4DF5351E-26B0-40C4-98BF-0EFF4D0F839D}"/>
+              </a:ext>
+            </a:extLst>
+          </p:cNvPr>
+          <p:cNvPicPr>
+            <a:picLocks noChangeAspect="1"/>
+          </p:cNvPicPr>
+          <p:nvPr/>
+        </p:nvPicPr>
+        <p:blipFill>
+          <a:blip r:embed="rId2"/>
+          <a:stretch>
+            <a:fillRect/>
+          </a:stretch>
+        </p:blipFill>
+        <p:spPr>
+          <a:xfrm>
+            <a:off x="995362" y="1825625"/>
+            <a:ext cx="5895975" cy="3790950"/>
+          </a:xfrm>
+          <a:prstGeom prst="rect">
+            <a:avLst/>
+          </a:prstGeom>
+        </p:spPr>
+      </p:pic>
+    </p:spTree>
+    <p:extLst>
+      <p:ext uri="{BB962C8B-B14F-4D97-AF65-F5344CB8AC3E}">
+        <p14:creationId xmlns:p14="http://schemas.microsoft.com/office/powerpoint/2010/main" val="2383546382"/>
+      </p:ext>
+    </p:extLst>
+  </p:cSld>
+  <p:clrMapOvr>
+    <a:masterClrMapping/>
+  </p:clrMapOvr>
+</p:sld>
+</file>
+
+<file path=ppt/slides/slide5.xml><?xml version="1.0" encoding="utf-8"?>
+<p:sld xmlns:a="http://schemas.openxmlformats.org/drawingml/2006/main" xmlns:r="http://schemas.openxmlformats.org/officeDocument/2006/relationships" xmlns:p="http://schemas.openxmlformats.org/presentationml/2006/main">
+  <p:cSld>
+    <p:bg>
+      <p:bgPr>
+        <a:solidFill>
+          <a:schemeClr val="bg1"/>
+        </a:solidFill>
+        <a:effectLst/>
+      </p:bgPr>
+    </p:bg>
+    <p:spTree>
+      <p:nvGrpSpPr>
+        <p:cNvPr id="1" name=""/>
+        <p:cNvGrpSpPr/>
+        <p:nvPr/>
+      </p:nvGrpSpPr>
+      <p:grpSpPr>
+        <a:xfrm>
+          <a:off x="0" y="0"/>
+          <a:ext cx="0" cy="0"/>
+          <a:chOff x="0" y="0"/>
+          <a:chExt cx="0" cy="0"/>
+        </a:xfrm>
+      </p:grpSpPr>
+      <p:sp useBgFill="1">
+        <p:nvSpPr>
+          <p:cNvPr id="14" name="Rectangle 13">
+            <a:extLst>
+              <a:ext uri="{FF2B5EF4-FFF2-40B4-BE49-F238E27FC236}">
+                <a16:creationId xmlns:a16="http://schemas.microsoft.com/office/drawing/2014/main" id="{70155189-D96C-4527-B0EC-654B946BE615}"/>
+              </a:ext>
+              <a:ext uri="{C183D7F6-B498-43B3-948B-1728B52AA6E4}">
+                <adec:decorative xmlns:adec="http://schemas.microsoft.com/office/drawing/2017/decorative" val="1"/>
+              </a:ext>
+            </a:extLst>
+          </p:cNvPr>
+          <p:cNvSpPr>
+            <a:spLocks noGrp="1" noRot="1" noChangeAspect="1" noMove="1" noResize="1" noEditPoints="1" noAdjustHandles="1" noChangeArrowheads="1" noChangeShapeType="1" noTextEdit="1"/>
+          </p:cNvSpPr>
+          <p:nvPr>
+            <p:extLst>
+              <p:ext uri="{386F3935-93C4-4BCD-93E2-E3B085C9AB24}">
+                <p16:designElem xmlns:p16="http://schemas.microsoft.com/office/powerpoint/2015/main" val="1"/>
+              </p:ext>
+            </p:extLst>
+          </p:nvPr>
+        </p:nvSpPr>
+        <p:spPr>
+          <a:xfrm>
+            <a:off x="-1" y="0"/>
+            <a:ext cx="12188952" cy="6858000"/>
+          </a:xfrm>
+          <a:prstGeom prst="rect">
+            <a:avLst/>
+          </a:prstGeom>
+          <a:ln>
+            <a:noFill/>
+          </a:ln>
+        </p:spPr>
+        <p:style>
+          <a:lnRef idx="2">
+            <a:schemeClr val="accent1">
+              <a:shade val="50000"/>
+            </a:schemeClr>
+          </a:lnRef>
+          <a:fillRef idx="1">
+            <a:schemeClr val="accent1"/>
+          </a:fillRef>
+          <a:effectRef idx="0">
+            <a:schemeClr val="accent1"/>
+          </a:effectRef>
+          <a:fontRef idx="minor">
+            <a:schemeClr val="lt1"/>
+          </a:fontRef>
+        </p:style>
+        <p:txBody>
+          <a:bodyPr rtlCol="0" anchor="ctr"/>
+          <a:lstStyle/>
+          <a:p>
+            <a:pPr algn="ctr"/>
+            <a:endParaRPr lang="en-US"/>
+          </a:p>
+        </p:txBody>
+      </p:sp>
+      <p:sp>
+        <p:nvSpPr>
+          <p:cNvPr id="2" name="Title 1">
+            <a:extLst>
+              <a:ext uri="{FF2B5EF4-FFF2-40B4-BE49-F238E27FC236}">
+                <a16:creationId xmlns:a16="http://schemas.microsoft.com/office/drawing/2014/main" id="{481C2C96-C36F-4C93-9FAB-E2CF343670AE}"/>
+              </a:ext>
+            </a:extLst>
+          </p:cNvPr>
+          <p:cNvSpPr>
+            <a:spLocks noGrp="1"/>
+          </p:cNvSpPr>
+          <p:nvPr>
+            <p:ph type="title"/>
+          </p:nvPr>
+        </p:nvSpPr>
+        <p:spPr>
+          <a:xfrm>
+            <a:off x="1198181" y="557189"/>
+            <a:ext cx="9795637" cy="1104857"/>
+          </a:xfrm>
+        </p:spPr>
+        <p:txBody>
+          <a:bodyPr vert="horz" lIns="91440" tIns="45720" rIns="91440" bIns="45720" rtlCol="0" anchor="b">
+            <a:normAutofit/>
+          </a:bodyPr>
+          <a:lstStyle/>
+          <a:p>
+            <a:pPr algn="ctr"/>
+            <a:r>
+              <a:rPr lang="en-US" sz="5200"/>
+              <a:t>Wire Frame Design</a:t>
+            </a:r>
+          </a:p>
+        </p:txBody>
+      </p:sp>
+      <p:pic>
+        <p:nvPicPr>
+          <p:cNvPr id="9" name="Picture 8">
+            <a:extLst>
+              <a:ext uri="{FF2B5EF4-FFF2-40B4-BE49-F238E27FC236}">
+                <a16:creationId xmlns:a16="http://schemas.microsoft.com/office/drawing/2014/main" id="{C2535E73-0DA2-4614-B249-144B7B430B09}"/>
+              </a:ext>
+            </a:extLst>
+          </p:cNvPr>
+          <p:cNvPicPr>
+            <a:picLocks noChangeAspect="1"/>
+          </p:cNvPicPr>
+          <p:nvPr/>
+        </p:nvPicPr>
+        <p:blipFill>
+          <a:blip r:embed="rId2"/>
+          <a:stretch>
+            <a:fillRect/>
+          </a:stretch>
+        </p:blipFill>
+        <p:spPr>
+          <a:xfrm>
+            <a:off x="7089509" y="2058920"/>
+            <a:ext cx="1816421" cy="3514855"/>
+          </a:xfrm>
+          <a:prstGeom prst="rect">
+            <a:avLst/>
+          </a:prstGeom>
+        </p:spPr>
+      </p:pic>
+      <p:pic>
+        <p:nvPicPr>
+          <p:cNvPr id="7" name="Picture 6">
+            <a:extLst>
+              <a:ext uri="{FF2B5EF4-FFF2-40B4-BE49-F238E27FC236}">
+                <a16:creationId xmlns:a16="http://schemas.microsoft.com/office/drawing/2014/main" id="{E9A828F0-69EC-42C7-863B-59383302F829}"/>
+              </a:ext>
+            </a:extLst>
+          </p:cNvPr>
+          <p:cNvPicPr>
+            <a:picLocks noChangeAspect="1"/>
+          </p:cNvPicPr>
+          <p:nvPr/>
+        </p:nvPicPr>
+        <p:blipFill>
+          <a:blip r:embed="rId3"/>
+          <a:stretch>
+            <a:fillRect/>
+          </a:stretch>
+        </p:blipFill>
+        <p:spPr>
+          <a:xfrm>
+            <a:off x="1525804" y="2219235"/>
+            <a:ext cx="4312287" cy="3354539"/>
+          </a:xfrm>
+          <a:prstGeom prst="rect">
+            <a:avLst/>
+          </a:prstGeom>
+        </p:spPr>
+      </p:pic>
+    </p:spTree>
+    <p:extLst>
+      <p:ext uri="{BB962C8B-B14F-4D97-AF65-F5344CB8AC3E}">
+        <p14:creationId xmlns:p14="http://schemas.microsoft.com/office/powerpoint/2010/main" val="311083777"/>
+      </p:ext>
+    </p:extLst>
+  </p:cSld>
+  <p:clrMapOvr>
+    <a:masterClrMapping/>
+  </p:clrMapOvr>
+</p:sld>
+</file>
+
+<file path=ppt/slides/slide6.xml><?xml version="1.0" encoding="utf-8"?>
+<p:sld xmlns:a="http://schemas.openxmlformats.org/drawingml/2006/main" xmlns:r="http://schemas.openxmlformats.org/officeDocument/2006/relationships" xmlns:p="http://schemas.openxmlformats.org/presentationml/2006/main">
+  <p:cSld>
+    <p:bg>
+      <p:bgPr>
+        <a:solidFill>
+          <a:schemeClr val="bg1"/>
+        </a:solidFill>
+        <a:effectLst/>
+      </p:bgPr>
+    </p:bg>
+    <p:spTree>
+      <p:nvGrpSpPr>
+        <p:cNvPr id="1" name=""/>
+        <p:cNvGrpSpPr/>
+        <p:nvPr/>
+      </p:nvGrpSpPr>
+      <p:grpSpPr>
+        <a:xfrm>
+          <a:off x="0" y="0"/>
+          <a:ext cx="0" cy="0"/>
+          <a:chOff x="0" y="0"/>
+          <a:chExt cx="0" cy="0"/>
+        </a:xfrm>
+      </p:grpSpPr>
+      <p:sp>
+        <p:nvSpPr>
+          <p:cNvPr id="9" name="Rectangle 8">
+            <a:extLst>
+              <a:ext uri="{FF2B5EF4-FFF2-40B4-BE49-F238E27FC236}">
+                <a16:creationId xmlns:a16="http://schemas.microsoft.com/office/drawing/2014/main" id="{9A297797-5C89-4791-8204-AB071FA1FBCA}"/>
+              </a:ext>
+              <a:ext uri="{C183D7F6-B498-43B3-948B-1728B52AA6E4}">
+                <adec:decorative xmlns:adec="http://schemas.microsoft.com/office/drawing/2017/decorative" val="1"/>
+              </a:ext>
+            </a:extLst>
+          </p:cNvPr>
+          <p:cNvSpPr>
+            <a:spLocks noGrp="1" noRot="1" noChangeAspect="1" noMove="1" noResize="1" noEditPoints="1" noAdjustHandles="1" noChangeArrowheads="1" noChangeShapeType="1" noTextEdit="1"/>
+          </p:cNvSpPr>
+          <p:nvPr>
+            <p:extLst>
+              <p:ext uri="{386F3935-93C4-4BCD-93E2-E3B085C9AB24}">
+                <p16:designElem xmlns:p16="http://schemas.microsoft.com/office/powerpoint/2015/main" val="1"/>
+              </p:ext>
+            </p:extLst>
+          </p:nvPr>
+        </p:nvSpPr>
+        <p:spPr>
+          <a:xfrm>
+            <a:off x="0" y="0"/>
+            <a:ext cx="12192000" cy="6858000"/>
+          </a:xfrm>
+          <a:prstGeom prst="rect">
+            <a:avLst/>
+          </a:prstGeom>
+          <a:solidFill>
+            <a:schemeClr val="bg1"/>
+          </a:solidFill>
+          <a:ln>
+            <a:noFill/>
+          </a:ln>
+        </p:spPr>
+        <p:style>
+          <a:lnRef idx="2">
+            <a:schemeClr val="accent1">
+              <a:shade val="50000"/>
+            </a:schemeClr>
+          </a:lnRef>
+          <a:fillRef idx="1">
+            <a:schemeClr val="accent1"/>
+          </a:fillRef>
+          <a:effectRef idx="0">
+            <a:schemeClr val="accent1"/>
+          </a:effectRef>
+          <a:fontRef idx="minor">
+            <a:schemeClr val="lt1"/>
+          </a:fontRef>
+        </p:style>
+        <p:txBody>
+          <a:bodyPr rtlCol="0" anchor="ctr"/>
+          <a:lstStyle/>
+          <a:p>
+            <a:pPr algn="ctr"/>
+            <a:endParaRPr lang="en-US" dirty="0"/>
+          </a:p>
+        </p:txBody>
+      </p:sp>
+      <p:sp>
+        <p:nvSpPr>
+          <p:cNvPr id="2" name="Title 1">
+            <a:extLst>
+              <a:ext uri="{FF2B5EF4-FFF2-40B4-BE49-F238E27FC236}">
+                <a16:creationId xmlns:a16="http://schemas.microsoft.com/office/drawing/2014/main" id="{41616927-0643-47E7-AAE4-8BC4D7D06F6A}"/>
+              </a:ext>
+            </a:extLst>
+          </p:cNvPr>
+          <p:cNvSpPr>
+            <a:spLocks noGrp="1"/>
+          </p:cNvSpPr>
+          <p:nvPr>
+            <p:ph type="title"/>
+          </p:nvPr>
+        </p:nvSpPr>
+        <p:spPr>
+          <a:xfrm>
+            <a:off x="643468" y="643467"/>
+            <a:ext cx="4804064" cy="5571065"/>
+          </a:xfrm>
+        </p:spPr>
+        <p:txBody>
+          <a:bodyPr>
+            <a:normAutofit/>
+          </a:bodyPr>
+          <a:lstStyle/>
+          <a:p>
+            <a:r>
+              <a:rPr lang="en-AU" sz="3600"/>
+              <a:t>Technologies</a:t>
+            </a:r>
+          </a:p>
+        </p:txBody>
+      </p:sp>
+      <p:sp>
+        <p:nvSpPr>
+          <p:cNvPr id="11" name="Freeform: Shape 10">
+            <a:extLst>
+              <a:ext uri="{FF2B5EF4-FFF2-40B4-BE49-F238E27FC236}">
+                <a16:creationId xmlns:a16="http://schemas.microsoft.com/office/drawing/2014/main" id="{569BBA9B-8F4E-4D2B-BEFA-41A475443377}"/>
+              </a:ext>
+              <a:ext uri="{C183D7F6-B498-43B3-948B-1728B52AA6E4}">
+                <adec:decorative xmlns:adec="http://schemas.microsoft.com/office/drawing/2017/decorative" val="1"/>
+              </a:ext>
+            </a:extLst>
+          </p:cNvPr>
+          <p:cNvSpPr>
+            <a:spLocks noGrp="1" noRot="1" noChangeAspect="1" noMove="1" noResize="1" noEditPoints="1" noAdjustHandles="1" noChangeArrowheads="1" noChangeShapeType="1" noTextEdit="1"/>
+          </p:cNvSpPr>
+          <p:nvPr>
+            <p:extLst>
+              <p:ext uri="{386F3935-93C4-4BCD-93E2-E3B085C9AB24}">
+                <p16:designElem xmlns:p16="http://schemas.microsoft.com/office/powerpoint/2015/main" val="1"/>
+              </p:ext>
+            </p:extLst>
+          </p:nvPr>
+        </p:nvSpPr>
+        <p:spPr>
+          <a:xfrm rot="2700000">
+            <a:off x="-415188" y="-231223"/>
+            <a:ext cx="1409491" cy="1876653"/>
+          </a:xfrm>
+          <a:custGeom>
+            <a:avLst/>
+            <a:gdLst>
+              <a:gd name="connsiteX0" fmla="*/ 0 w 1409491"/>
+              <a:gd name="connsiteY0" fmla="*/ 643075 h 1876653"/>
+              <a:gd name="connsiteX1" fmla="*/ 643075 w 1409491"/>
+              <a:gd name="connsiteY1" fmla="*/ 0 h 1876653"/>
+              <a:gd name="connsiteX2" fmla="*/ 1409491 w 1409491"/>
+              <a:gd name="connsiteY2" fmla="*/ 0 h 1876653"/>
+              <a:gd name="connsiteX3" fmla="*/ 1409491 w 1409491"/>
+              <a:gd name="connsiteY3" fmla="*/ 1876653 h 1876653"/>
+              <a:gd name="connsiteX4" fmla="*/ 1233578 w 1409491"/>
+              <a:gd name="connsiteY4" fmla="*/ 1876653 h 1876653"/>
+            </a:gdLst>
+            <a:ahLst/>
+            <a:cxnLst>
+              <a:cxn ang="0">
+                <a:pos x="connsiteX0" y="connsiteY0"/>
+              </a:cxn>
+              <a:cxn ang="0">
+                <a:pos x="connsiteX1" y="connsiteY1"/>
+              </a:cxn>
+              <a:cxn ang="0">
+                <a:pos x="connsiteX2" y="connsiteY2"/>
+              </a:cxn>
+              <a:cxn ang="0">
+                <a:pos x="connsiteX3" y="connsiteY3"/>
+              </a:cxn>
+              <a:cxn ang="0">
+                <a:pos x="connsiteX4" y="connsiteY4"/>
+              </a:cxn>
+            </a:cxnLst>
+            <a:rect l="l" t="t" r="r" b="b"/>
+            <a:pathLst>
+              <a:path w="1409491" h="1876653">
+                <a:moveTo>
+                  <a:pt x="0" y="643075"/>
+                </a:moveTo>
+                <a:lnTo>
+                  <a:pt x="643075" y="0"/>
+                </a:lnTo>
+                <a:lnTo>
+                  <a:pt x="1409491" y="0"/>
+                </a:lnTo>
+                <a:lnTo>
+                  <a:pt x="1409491" y="1876653"/>
+                </a:lnTo>
+                <a:lnTo>
+                  <a:pt x="1233578" y="1876653"/>
+                </a:lnTo>
+                <a:close/>
+              </a:path>
+            </a:pathLst>
+          </a:custGeom>
+          <a:solidFill>
+            <a:schemeClr val="accent1">
+              <a:alpha val="30000"/>
+            </a:schemeClr>
+          </a:solidFill>
+          <a:ln>
+            <a:noFill/>
+          </a:ln>
+        </p:spPr>
+        <p:style>
+          <a:lnRef idx="2">
+            <a:schemeClr val="accent1">
+              <a:shade val="50000"/>
+            </a:schemeClr>
+          </a:lnRef>
+          <a:fillRef idx="1">
+            <a:schemeClr val="accent1"/>
+          </a:fillRef>
+          <a:effectRef idx="0">
+            <a:schemeClr val="accent1"/>
+          </a:effectRef>
+          <a:fontRef idx="minor">
+            <a:schemeClr val="lt1"/>
+          </a:fontRef>
+        </p:style>
+        <p:txBody>
+          <a:bodyPr rtlCol="0" anchor="ctr"/>
+          <a:lstStyle/>
+          <a:p>
+            <a:pPr algn="ctr"/>
+            <a:endParaRPr lang="en-US"/>
+          </a:p>
+        </p:txBody>
+      </p:sp>
+      <p:sp>
+        <p:nvSpPr>
+          <p:cNvPr id="13" name="Rectangle 12">
+            <a:extLst>
+              <a:ext uri="{FF2B5EF4-FFF2-40B4-BE49-F238E27FC236}">
+                <a16:creationId xmlns:a16="http://schemas.microsoft.com/office/drawing/2014/main" id="{851012D1-8033-40B1-9EC0-91390FFC7403}"/>
+              </a:ext>
+              <a:ext uri="{C183D7F6-B498-43B3-948B-1728B52AA6E4}">
+                <adec:decorative xmlns:adec="http://schemas.microsoft.com/office/drawing/2017/decorative" val="1"/>
+              </a:ext>
+            </a:extLst>
+          </p:cNvPr>
+          <p:cNvSpPr>
+            <a:spLocks noGrp="1" noRot="1" noChangeAspect="1" noMove="1" noResize="1" noEditPoints="1" noAdjustHandles="1" noChangeArrowheads="1" noChangeShapeType="1" noTextEdit="1"/>
+          </p:cNvSpPr>
+          <p:nvPr>
+            <p:extLst>
+              <p:ext uri="{386F3935-93C4-4BCD-93E2-E3B085C9AB24}">
+                <p16:designElem xmlns:p16="http://schemas.microsoft.com/office/powerpoint/2015/main" val="1"/>
+              </p:ext>
+            </p:extLst>
+          </p:nvPr>
+        </p:nvSpPr>
+        <p:spPr>
+          <a:xfrm rot="2700000">
+            <a:off x="301285" y="1282788"/>
+            <a:ext cx="485578" cy="485578"/>
+          </a:xfrm>
+          <a:prstGeom prst="rect">
+            <a:avLst/>
+          </a:prstGeom>
+          <a:solidFill>
+            <a:schemeClr val="accent1">
+              <a:alpha val="30000"/>
+            </a:schemeClr>
+          </a:solidFill>
+          <a:ln>
+            <a:noFill/>
+          </a:ln>
+        </p:spPr>
+        <p:style>
+          <a:lnRef idx="2">
+            <a:schemeClr val="accent1">
+              <a:shade val="50000"/>
+            </a:schemeClr>
+          </a:lnRef>
+          <a:fillRef idx="1">
+            <a:schemeClr val="accent1"/>
+          </a:fillRef>
+          <a:effectRef idx="0">
+            <a:schemeClr val="accent1"/>
+          </a:effectRef>
+          <a:fontRef idx="minor">
+            <a:schemeClr val="lt1"/>
+          </a:fontRef>
+        </p:style>
+        <p:txBody>
+          <a:bodyPr rtlCol="0" anchor="ctr"/>
+          <a:lstStyle/>
+          <a:p>
+            <a:pPr algn="ctr"/>
+            <a:endParaRPr lang="en-US"/>
+          </a:p>
+        </p:txBody>
+      </p:sp>
+      <p:sp>
+        <p:nvSpPr>
+          <p:cNvPr id="15" name="Rectangle 14">
+            <a:extLst>
+              <a:ext uri="{FF2B5EF4-FFF2-40B4-BE49-F238E27FC236}">
+                <a16:creationId xmlns:a16="http://schemas.microsoft.com/office/drawing/2014/main" id="{2E80C965-DB6D-4F81-9E9E-B027384D0BD6}"/>
+              </a:ext>
+              <a:ext uri="{C183D7F6-B498-43B3-948B-1728B52AA6E4}">
+                <adec:decorative xmlns:adec="http://schemas.microsoft.com/office/drawing/2017/decorative" val="1"/>
+              </a:ext>
+            </a:extLst>
+          </p:cNvPr>
+          <p:cNvSpPr>
+            <a:spLocks noGrp="1" noRot="1" noChangeAspect="1" noMove="1" noResize="1" noEditPoints="1" noAdjustHandles="1" noChangeArrowheads="1" noChangeShapeType="1" noTextEdit="1"/>
+          </p:cNvSpPr>
+          <p:nvPr>
+            <p:extLst>
+              <p:ext uri="{386F3935-93C4-4BCD-93E2-E3B085C9AB24}">
+                <p16:designElem xmlns:p16="http://schemas.microsoft.com/office/powerpoint/2015/main" val="1"/>
+              </p:ext>
+            </p:extLst>
+          </p:nvPr>
+        </p:nvSpPr>
+        <p:spPr>
+          <a:xfrm rot="2700000">
+            <a:off x="8809436" y="6033666"/>
+            <a:ext cx="645368" cy="645368"/>
+          </a:xfrm>
+          <a:prstGeom prst="rect">
+            <a:avLst/>
+          </a:prstGeom>
+          <a:solidFill>
+            <a:schemeClr val="accent4">
+              <a:alpha val="30000"/>
+            </a:schemeClr>
+          </a:solidFill>
+          <a:ln>
+            <a:noFill/>
+          </a:ln>
+        </p:spPr>
+        <p:style>
+          <a:lnRef idx="2">
+            <a:schemeClr val="accent1">
+              <a:shade val="50000"/>
+            </a:schemeClr>
+          </a:lnRef>
+          <a:fillRef idx="1">
+            <a:schemeClr val="accent1"/>
+          </a:fillRef>
+          <a:effectRef idx="0">
+            <a:schemeClr val="accent1"/>
+          </a:effectRef>
+          <a:fontRef idx="minor">
+            <a:schemeClr val="lt1"/>
+          </a:fontRef>
+        </p:style>
+        <p:txBody>
+          <a:bodyPr rtlCol="0" anchor="ctr"/>
+          <a:lstStyle/>
+          <a:p>
+            <a:pPr algn="ctr"/>
+            <a:endParaRPr lang="en-US"/>
+          </a:p>
+        </p:txBody>
+      </p:sp>
+      <p:sp>
+        <p:nvSpPr>
+          <p:cNvPr id="17" name="Isosceles Triangle 16">
+            <a:extLst>
+              <a:ext uri="{FF2B5EF4-FFF2-40B4-BE49-F238E27FC236}">
+                <a16:creationId xmlns:a16="http://schemas.microsoft.com/office/drawing/2014/main" id="{D291F021-C45C-4D44-A2B8-A789E386CC42}"/>
+              </a:ext>
+              <a:ext uri="{C183D7F6-B498-43B3-948B-1728B52AA6E4}">
+                <adec:decorative xmlns:adec="http://schemas.microsoft.com/office/drawing/2017/decorative" val="1"/>
+              </a:ext>
+            </a:extLst>
+          </p:cNvPr>
+          <p:cNvSpPr>
+            <a:spLocks noGrp="1" noRot="1" noChangeAspect="1" noMove="1" noResize="1" noEditPoints="1" noAdjustHandles="1" noChangeArrowheads="1" noChangeShapeType="1" noTextEdit="1"/>
+          </p:cNvSpPr>
+          <p:nvPr>
+            <p:extLst>
+              <p:ext uri="{386F3935-93C4-4BCD-93E2-E3B085C9AB24}">
+                <p16:designElem xmlns:p16="http://schemas.microsoft.com/office/powerpoint/2015/main" val="1"/>
+              </p:ext>
+            </p:extLst>
+          </p:nvPr>
+        </p:nvSpPr>
+        <p:spPr>
+          <a:xfrm>
+            <a:off x="8603444" y="5721108"/>
+            <a:ext cx="2261965" cy="1136891"/>
+          </a:xfrm>
+          <a:prstGeom prst="triangle">
+            <a:avLst>
+              <a:gd name="adj" fmla="val 50000"/>
+            </a:avLst>
+          </a:prstGeom>
+          <a:solidFill>
+            <a:schemeClr val="accent4">
+              <a:alpha val="30000"/>
+            </a:schemeClr>
+          </a:solidFill>
+          <a:ln>
+            <a:noFill/>
+          </a:ln>
+        </p:spPr>
+        <p:style>
+          <a:lnRef idx="2">
+            <a:schemeClr val="accent1">
+              <a:shade val="50000"/>
+            </a:schemeClr>
+          </a:lnRef>
+          <a:fillRef idx="1">
+            <a:schemeClr val="accent1"/>
+          </a:fillRef>
+          <a:effectRef idx="0">
+            <a:schemeClr val="accent1"/>
+          </a:effectRef>
+          <a:fontRef idx="minor">
+            <a:schemeClr val="lt1"/>
+          </a:fontRef>
+        </p:style>
+        <p:txBody>
+          <a:bodyPr rtlCol="0" anchor="ctr"/>
+          <a:lstStyle/>
+          <a:p>
+            <a:pPr algn="ctr"/>
+            <a:endParaRPr lang="en-US"/>
+          </a:p>
+        </p:txBody>
+      </p:sp>
+      <p:graphicFrame>
+        <p:nvGraphicFramePr>
+          <p:cNvPr id="5" name="Content Placeholder 2">
+            <a:extLst>
+              <a:ext uri="{FF2B5EF4-FFF2-40B4-BE49-F238E27FC236}">
+                <a16:creationId xmlns:a16="http://schemas.microsoft.com/office/drawing/2014/main" id="{DBC0F5D8-B4F3-40A0-BC74-E601E01A9A1B}"/>
+              </a:ext>
+            </a:extLst>
+          </p:cNvPr>
+          <p:cNvGraphicFramePr>
+            <a:graphicFrameLocks noGrp="1"/>
+          </p:cNvGraphicFramePr>
+          <p:nvPr>
+            <p:ph idx="1"/>
+            <p:extLst>
+              <p:ext uri="{D42A27DB-BD31-4B8C-83A1-F6EECF244321}">
+                <p14:modId xmlns:p14="http://schemas.microsoft.com/office/powerpoint/2010/main" val="591261767"/>
+              </p:ext>
+            </p:extLst>
+          </p:nvPr>
+        </p:nvGraphicFramePr>
+        <p:xfrm>
+          <a:off x="6091238" y="642938"/>
+          <a:ext cx="5457825" cy="5572125"/>
+        </p:xfrm>
+        <a:graphic>
+          <a:graphicData uri="http://schemas.openxmlformats.org/drawingml/2006/diagram">
+            <dgm:relIds xmlns:dgm="http://schemas.openxmlformats.org/drawingml/2006/diagram" xmlns:r="http://schemas.openxmlformats.org/officeDocument/2006/relationships" r:dm="rId2" r:lo="rId3" r:qs="rId4" r:cs="rId5"/>
+          </a:graphicData>
+        </a:graphic>
+      </p:graphicFrame>
+    </p:spTree>
+    <p:extLst>
+      <p:ext uri="{BB962C8B-B14F-4D97-AF65-F5344CB8AC3E}">
+        <p14:creationId xmlns:p14="http://schemas.microsoft.com/office/powerpoint/2010/main" val="258194271"/>
+      </p:ext>
+    </p:extLst>
+  </p:cSld>
+  <p:clrMapOvr>
+    <a:masterClrMapping/>
+  </p:clrMapOvr>
+</p:sld>
+</file>
+
+<file path=ppt/slides/slide7.xml><?xml version="1.0" encoding="utf-8"?>
+<p:sld xmlns:a="http://schemas.openxmlformats.org/drawingml/2006/main" xmlns:r="http://schemas.openxmlformats.org/officeDocument/2006/relationships" xmlns:p="http://schemas.openxmlformats.org/presentationml/2006/main">
+  <p:cSld>
+    <p:spTree>
+      <p:nvGrpSpPr>
+        <p:cNvPr id="1" name=""/>
+        <p:cNvGrpSpPr/>
+        <p:nvPr/>
+      </p:nvGrpSpPr>
+      <p:grpSpPr>
+        <a:xfrm>
+          <a:off x="0" y="0"/>
+          <a:ext cx="0" cy="0"/>
+          <a:chOff x="0" y="0"/>
+          <a:chExt cx="0" cy="0"/>
+        </a:xfrm>
+      </p:grpSpPr>
+      <p:sp>
+        <p:nvSpPr>
+          <p:cNvPr id="2" name="Title 1">
+            <a:extLst>
+              <a:ext uri="{FF2B5EF4-FFF2-40B4-BE49-F238E27FC236}">
+                <a16:creationId xmlns:a16="http://schemas.microsoft.com/office/drawing/2014/main" id="{C3632D69-2D63-4D1C-9E74-145CB0791D2D}"/>
+              </a:ext>
+            </a:extLst>
+          </p:cNvPr>
+          <p:cNvSpPr>
+            <a:spLocks noGrp="1"/>
+          </p:cNvSpPr>
+          <p:nvPr>
+            <p:ph type="title"/>
+          </p:nvPr>
+        </p:nvSpPr>
+        <p:spPr/>
+        <p:txBody>
+          <a:bodyPr/>
+          <a:lstStyle/>
+          <a:p>
+            <a:r>
+              <a:rPr lang="en-AU" dirty="0"/>
+              <a:t>Demo</a:t>
+            </a:r>
+          </a:p>
+        </p:txBody>
+      </p:sp>
+      <p:sp>
+        <p:nvSpPr>
+          <p:cNvPr id="3" name="Content Placeholder 2">
+            <a:extLst>
+              <a:ext uri="{FF2B5EF4-FFF2-40B4-BE49-F238E27FC236}">
+                <a16:creationId xmlns:a16="http://schemas.microsoft.com/office/drawing/2014/main" id="{73F84BB5-6F78-45A8-887B-EF861B85FA10}"/>
+              </a:ext>
+            </a:extLst>
+          </p:cNvPr>
+          <p:cNvSpPr>
+            <a:spLocks noGrp="1"/>
+          </p:cNvSpPr>
+          <p:nvPr>
+            <p:ph idx="1"/>
+          </p:nvPr>
+        </p:nvSpPr>
+        <p:spPr/>
+        <p:txBody>
+          <a:bodyPr/>
+          <a:lstStyle/>
+          <a:p>
+            <a:pPr marL="0" indent="0">
+              <a:buNone/>
+            </a:pPr>
+            <a:r>
+              <a:rPr lang="en-AU" dirty="0"/>
+              <a:t>Deployed URL: </a:t>
+            </a:r>
+            <a:r>
+              <a:rPr lang="en-AU" b="0" i="0" u="sng" dirty="0">
+                <a:effectLst/>
+                <a:latin typeface="-apple-system"/>
+                <a:hlinkClick r:id="rId2"/>
+              </a:rPr>
+              <a:t>https://gracious-</a:t>
+            </a:r>
+            <a:r>
+              <a:rPr lang="en-AU" b="0" i="0" u="sng" dirty="0" err="1">
+                <a:effectLst/>
+                <a:latin typeface="-apple-system"/>
+                <a:hlinkClick r:id="rId2"/>
+              </a:rPr>
+              <a:t>keller</a:t>
+            </a:r>
+            <a:r>
+              <a:rPr lang="en-AU" b="0" i="0" u="sng" dirty="0">
+                <a:effectLst/>
+                <a:latin typeface="-apple-system"/>
+                <a:hlinkClick r:id="rId2"/>
+              </a:rPr>
+              <a:t>-</a:t>
+            </a:r>
+            <a:r>
+              <a:rPr lang="en-AU" b="0" i="0" u="sng" dirty="0" err="1">
+                <a:effectLst/>
+                <a:latin typeface="-apple-system"/>
+                <a:hlinkClick r:id="rId2"/>
+              </a:rPr>
+              <a:t>0564ad.netlify.app</a:t>
+            </a:r>
+            <a:r>
+              <a:rPr lang="en-AU" b="0" i="0" u="sng" dirty="0">
+                <a:effectLst/>
+                <a:latin typeface="-apple-system"/>
+                <a:hlinkClick r:id="rId2"/>
+              </a:rPr>
+              <a:t>/</a:t>
+            </a:r>
+            <a:r>
+              <a:rPr lang="en-AU" b="0" i="0" u="sng" dirty="0" err="1">
+                <a:effectLst/>
+                <a:latin typeface="-apple-system"/>
+                <a:hlinkClick r:id="rId2"/>
+              </a:rPr>
+              <a:t>index.html</a:t>
+            </a:r>
+            <a:endParaRPr lang="en-AU" dirty="0"/>
+          </a:p>
+        </p:txBody>
+      </p:sp>
+    </p:spTree>
+    <p:extLst>
+      <p:ext uri="{BB962C8B-B14F-4D97-AF65-F5344CB8AC3E}">
+        <p14:creationId xmlns:p14="http://schemas.microsoft.com/office/powerpoint/2010/main" val="598176937"/>
       </p:ext>
     </p:extLst>
   </p:cSld>
